--- a/Modules/02_PowerBiRestApi/Slides.pptx
+++ b/Modules/02_PowerBiRestApi/Slides.pptx
@@ -5,10 +5,10 @@
     <p:sldMasterId id="2147483648" r:id="rId5"/>
   </p:sldMasterIdLst>
   <p:notesMasterIdLst>
-    <p:notesMasterId r:id="rId53"/>
+    <p:notesMasterId r:id="rId55"/>
   </p:notesMasterIdLst>
   <p:handoutMasterIdLst>
-    <p:handoutMasterId r:id="rId54"/>
+    <p:handoutMasterId r:id="rId56"/>
   </p:handoutMasterIdLst>
   <p:sldIdLst>
     <p:sldId id="279" r:id="rId6"/>
@@ -21,43 +21,45 @@
     <p:sldId id="333" r:id="rId13"/>
     <p:sldId id="331" r:id="rId14"/>
     <p:sldId id="334" r:id="rId15"/>
-    <p:sldId id="350" r:id="rId16"/>
-    <p:sldId id="323" r:id="rId17"/>
-    <p:sldId id="335" r:id="rId18"/>
-    <p:sldId id="336" r:id="rId19"/>
-    <p:sldId id="337" r:id="rId20"/>
-    <p:sldId id="338" r:id="rId21"/>
-    <p:sldId id="339" r:id="rId22"/>
-    <p:sldId id="340" r:id="rId23"/>
-    <p:sldId id="341" r:id="rId24"/>
-    <p:sldId id="342" r:id="rId25"/>
-    <p:sldId id="343" r:id="rId26"/>
-    <p:sldId id="344" r:id="rId27"/>
-    <p:sldId id="345" r:id="rId28"/>
-    <p:sldId id="346" r:id="rId29"/>
-    <p:sldId id="347" r:id="rId30"/>
-    <p:sldId id="348" r:id="rId31"/>
-    <p:sldId id="349" r:id="rId32"/>
-    <p:sldId id="324" r:id="rId33"/>
-    <p:sldId id="325" r:id="rId34"/>
-    <p:sldId id="326" r:id="rId35"/>
-    <p:sldId id="310" r:id="rId36"/>
-    <p:sldId id="298" r:id="rId37"/>
-    <p:sldId id="299" r:id="rId38"/>
-    <p:sldId id="300" r:id="rId39"/>
-    <p:sldId id="301" r:id="rId40"/>
-    <p:sldId id="311" r:id="rId41"/>
-    <p:sldId id="303" r:id="rId42"/>
-    <p:sldId id="304" r:id="rId43"/>
-    <p:sldId id="305" r:id="rId44"/>
-    <p:sldId id="306" r:id="rId45"/>
-    <p:sldId id="307" r:id="rId46"/>
-    <p:sldId id="308" r:id="rId47"/>
-    <p:sldId id="309" r:id="rId48"/>
-    <p:sldId id="312" r:id="rId49"/>
-    <p:sldId id="313" r:id="rId50"/>
-    <p:sldId id="314" r:id="rId51"/>
-    <p:sldId id="351" r:id="rId52"/>
+    <p:sldId id="353" r:id="rId16"/>
+    <p:sldId id="350" r:id="rId17"/>
+    <p:sldId id="352" r:id="rId18"/>
+    <p:sldId id="323" r:id="rId19"/>
+    <p:sldId id="335" r:id="rId20"/>
+    <p:sldId id="336" r:id="rId21"/>
+    <p:sldId id="337" r:id="rId22"/>
+    <p:sldId id="338" r:id="rId23"/>
+    <p:sldId id="339" r:id="rId24"/>
+    <p:sldId id="340" r:id="rId25"/>
+    <p:sldId id="341" r:id="rId26"/>
+    <p:sldId id="342" r:id="rId27"/>
+    <p:sldId id="343" r:id="rId28"/>
+    <p:sldId id="344" r:id="rId29"/>
+    <p:sldId id="345" r:id="rId30"/>
+    <p:sldId id="346" r:id="rId31"/>
+    <p:sldId id="347" r:id="rId32"/>
+    <p:sldId id="348" r:id="rId33"/>
+    <p:sldId id="349" r:id="rId34"/>
+    <p:sldId id="324" r:id="rId35"/>
+    <p:sldId id="325" r:id="rId36"/>
+    <p:sldId id="326" r:id="rId37"/>
+    <p:sldId id="310" r:id="rId38"/>
+    <p:sldId id="298" r:id="rId39"/>
+    <p:sldId id="299" r:id="rId40"/>
+    <p:sldId id="300" r:id="rId41"/>
+    <p:sldId id="301" r:id="rId42"/>
+    <p:sldId id="311" r:id="rId43"/>
+    <p:sldId id="303" r:id="rId44"/>
+    <p:sldId id="304" r:id="rId45"/>
+    <p:sldId id="305" r:id="rId46"/>
+    <p:sldId id="306" r:id="rId47"/>
+    <p:sldId id="307" r:id="rId48"/>
+    <p:sldId id="308" r:id="rId49"/>
+    <p:sldId id="309" r:id="rId50"/>
+    <p:sldId id="312" r:id="rId51"/>
+    <p:sldId id="313" r:id="rId52"/>
+    <p:sldId id="314" r:id="rId53"/>
+    <p:sldId id="351" r:id="rId54"/>
   </p:sldIdLst>
   <p:sldSz cx="9144000" cy="6858000" type="screen4x3"/>
   <p:notesSz cx="7315200" cy="9601200"/>
@@ -2959,10 +2961,9 @@
           <a:lstStyle/>
           <a:p>
             <a:r>
-              <a:rPr lang="en-US"/>
+              <a:rPr lang="en-US" dirty="0"/>
               <a:t>Developing with the Power BI REST API</a:t>
             </a:r>
-            <a:endParaRPr lang="en-US" dirty="0"/>
           </a:p>
         </p:txBody>
       </p:sp>
@@ -3137,6 +3138,90 @@
       </p:grpSpPr>
       <p:sp>
         <p:nvSpPr>
+          <p:cNvPr id="2" name="Title 1"/>
+          <p:cNvSpPr>
+            <a:spLocks noGrp="1"/>
+          </p:cNvSpPr>
+          <p:nvPr>
+            <p:ph type="title"/>
+          </p:nvPr>
+        </p:nvSpPr>
+        <p:spPr/>
+        <p:txBody>
+          <a:bodyPr/>
+          <a:lstStyle/>
+          <a:p>
+            <a:r>
+              <a:rPr lang="en-US" dirty="0"/>
+              <a:t>App Registration in the Azure Portal</a:t>
+            </a:r>
+          </a:p>
+        </p:txBody>
+      </p:sp>
+      <p:pic>
+        <p:nvPicPr>
+          <p:cNvPr id="3" name="Picture 2"/>
+          <p:cNvPicPr>
+            <a:picLocks noChangeAspect="1"/>
+          </p:cNvPicPr>
+          <p:nvPr/>
+        </p:nvPicPr>
+        <p:blipFill>
+          <a:blip r:embed="rId2"/>
+          <a:stretch>
+            <a:fillRect/>
+          </a:stretch>
+        </p:blipFill>
+        <p:spPr>
+          <a:xfrm>
+            <a:off x="436418" y="1295400"/>
+            <a:ext cx="8333509" cy="5201452"/>
+          </a:xfrm>
+          <a:prstGeom prst="rect">
+            <a:avLst/>
+          </a:prstGeom>
+          <a:ln>
+            <a:solidFill>
+              <a:schemeClr val="tx1">
+                <a:lumMod val="50000"/>
+                <a:lumOff val="50000"/>
+              </a:schemeClr>
+            </a:solidFill>
+          </a:ln>
+        </p:spPr>
+      </p:pic>
+    </p:spTree>
+    <p:extLst>
+      <p:ext uri="{BB962C8B-B14F-4D97-AF65-F5344CB8AC3E}">
+        <p14:creationId xmlns:p14="http://schemas.microsoft.com/office/powerpoint/2010/main" val="22413142"/>
+      </p:ext>
+    </p:extLst>
+  </p:cSld>
+  <p:clrMapOvr>
+    <a:masterClrMapping/>
+  </p:clrMapOvr>
+</p:sld>
+</file>
+
+<file path=ppt/slides/slide12.xml><?xml version="1.0" encoding="utf-8"?>
+<p:sld xmlns:a="http://schemas.openxmlformats.org/drawingml/2006/main" xmlns:r="http://schemas.openxmlformats.org/officeDocument/2006/relationships" xmlns:p="http://schemas.openxmlformats.org/presentationml/2006/main">
+  <p:cSld>
+    <p:spTree>
+      <p:nvGrpSpPr>
+        <p:cNvPr id="1" name=""/>
+        <p:cNvGrpSpPr/>
+        <p:nvPr/>
+      </p:nvGrpSpPr>
+      <p:grpSpPr>
+        <a:xfrm>
+          <a:off x="0" y="0"/>
+          <a:ext cx="0" cy="0"/>
+          <a:chOff x="0" y="0"/>
+          <a:chExt cx="0" cy="0"/>
+        </a:xfrm>
+      </p:grpSpPr>
+      <p:sp>
+        <p:nvSpPr>
           <p:cNvPr id="43010" name="Title 1"/>
           <p:cNvSpPr>
             <a:spLocks noGrp="1"/>
@@ -3195,7 +3280,7 @@
             </a:pPr>
             <a:r>
               <a:rPr lang="en-US" sz="2200" dirty="0"/>
-              <a:t>Handles authentication flow behind the scenes</a:t>
+              <a:t>Automates authentication flow sequence</a:t>
             </a:r>
           </a:p>
           <a:p>
@@ -3204,67 +3289,14 @@
             </a:pPr>
             <a:r>
               <a:rPr lang="en-US" sz="2200" dirty="0"/>
-              <a:t>Provides token cache</a:t>
-            </a:r>
-          </a:p>
-          <a:p>
-            <a:pPr lvl="1">
-              <a:defRPr/>
-            </a:pPr>
-            <a:endParaRPr lang="en-US" sz="2200" dirty="0"/>
-          </a:p>
-          <a:p>
-            <a:pPr lvl="1">
-              <a:defRPr/>
-            </a:pPr>
-            <a:endParaRPr lang="en-US" sz="2200" dirty="0"/>
-          </a:p>
-          <a:p>
-            <a:pPr lvl="1">
-              <a:defRPr/>
-            </a:pPr>
-            <a:endParaRPr lang="en-US" sz="2200" dirty="0"/>
-          </a:p>
-          <a:p>
-            <a:pPr>
-              <a:defRPr/>
-            </a:pPr>
-            <a:r>
-              <a:rPr lang="en-US" sz="2600" dirty="0"/>
-              <a:t>ADAL .NET installs as a </a:t>
-            </a:r>
-            <a:r>
-              <a:rPr lang="en-US" sz="2600" dirty="0" err="1"/>
-              <a:t>NuGet</a:t>
-            </a:r>
-            <a:r>
-              <a:rPr lang="en-US" sz="2600" dirty="0"/>
-              <a:t> Package</a:t>
-            </a:r>
-          </a:p>
-          <a:p>
-            <a:pPr lvl="1">
-              <a:defRPr/>
-            </a:pPr>
-            <a:r>
-              <a:rPr lang="en-US" sz="2200" dirty="0"/>
-              <a:t>Version 2.x is latest stable version</a:t>
-            </a:r>
-          </a:p>
-          <a:p>
-            <a:pPr lvl="1">
-              <a:defRPr/>
-            </a:pPr>
-            <a:r>
-              <a:rPr lang="en-US" sz="2200" dirty="0"/>
-              <a:t>Version 3.x is in prerelease</a:t>
+              <a:t>Provides support for token caching and token refreshing</a:t>
             </a:r>
           </a:p>
         </p:txBody>
       </p:sp>
       <p:pic>
         <p:nvPicPr>
-          <p:cNvPr id="5" name="Picture 4"/>
+          <p:cNvPr id="2" name="Picture 1"/>
           <p:cNvPicPr>
             <a:picLocks noChangeAspect="1"/>
           </p:cNvPicPr>
@@ -3278,16 +3310,17 @@
         </p:blipFill>
         <p:spPr>
           <a:xfrm>
-            <a:off x="609600" y="3581400"/>
-            <a:ext cx="7924800" cy="656261"/>
+            <a:off x="1143000" y="3276600"/>
+            <a:ext cx="6357938" cy="3100889"/>
           </a:xfrm>
           <a:prstGeom prst="rect">
             <a:avLst/>
           </a:prstGeom>
           <a:ln>
             <a:solidFill>
-              <a:schemeClr val="bg1">
+              <a:schemeClr val="tx1">
                 <a:lumMod val="50000"/>
+                <a:lumOff val="50000"/>
               </a:schemeClr>
             </a:solidFill>
           </a:ln>
@@ -3306,7 +3339,83 @@
 </p:sld>
 </file>
 
-<file path=ppt/slides/slide12.xml><?xml version="1.0" encoding="utf-8"?>
+<file path=ppt/slides/slide13.xml><?xml version="1.0" encoding="utf-8"?>
+<p:sld xmlns:a="http://schemas.openxmlformats.org/drawingml/2006/main" xmlns:r="http://schemas.openxmlformats.org/officeDocument/2006/relationships" xmlns:p="http://schemas.openxmlformats.org/presentationml/2006/main">
+  <p:cSld>
+    <p:spTree>
+      <p:nvGrpSpPr>
+        <p:cNvPr id="1" name=""/>
+        <p:cNvGrpSpPr/>
+        <p:nvPr/>
+      </p:nvGrpSpPr>
+      <p:grpSpPr>
+        <a:xfrm>
+          <a:off x="0" y="0"/>
+          <a:ext cx="0" cy="0"/>
+          <a:chOff x="0" y="0"/>
+          <a:chExt cx="0" cy="0"/>
+        </a:xfrm>
+      </p:grpSpPr>
+      <p:sp>
+        <p:nvSpPr>
+          <p:cNvPr id="2" name="Title 1"/>
+          <p:cNvSpPr>
+            <a:spLocks noGrp="1"/>
+          </p:cNvSpPr>
+          <p:nvPr>
+            <p:ph type="title"/>
+          </p:nvPr>
+        </p:nvSpPr>
+        <p:spPr/>
+        <p:txBody>
+          <a:bodyPr/>
+          <a:lstStyle/>
+          <a:p>
+            <a:r>
+              <a:rPr lang="en-US" dirty="0"/>
+              <a:t>Registering and Testing an Azure AD Application</a:t>
+            </a:r>
+          </a:p>
+        </p:txBody>
+      </p:sp>
+      <p:pic>
+        <p:nvPicPr>
+          <p:cNvPr id="3" name="Picture 2"/>
+          <p:cNvPicPr>
+            <a:picLocks noChangeAspect="1"/>
+          </p:cNvPicPr>
+          <p:nvPr/>
+        </p:nvPicPr>
+        <p:blipFill>
+          <a:blip r:embed="rId2"/>
+          <a:stretch>
+            <a:fillRect/>
+          </a:stretch>
+        </p:blipFill>
+        <p:spPr>
+          <a:xfrm>
+            <a:off x="2438400" y="609600"/>
+            <a:ext cx="3133725" cy="3071362"/>
+          </a:xfrm>
+          <a:prstGeom prst="rect">
+            <a:avLst/>
+          </a:prstGeom>
+        </p:spPr>
+      </p:pic>
+    </p:spTree>
+    <p:extLst>
+      <p:ext uri="{BB962C8B-B14F-4D97-AF65-F5344CB8AC3E}">
+        <p14:creationId xmlns:p14="http://schemas.microsoft.com/office/powerpoint/2010/main" val="2089684190"/>
+      </p:ext>
+    </p:extLst>
+  </p:cSld>
+  <p:clrMapOvr>
+    <a:masterClrMapping/>
+  </p:clrMapOvr>
+</p:sld>
+</file>
+
+<file path=ppt/slides/slide14.xml><?xml version="1.0" encoding="utf-8"?>
 <p:sld xmlns:a="http://schemas.openxmlformats.org/drawingml/2006/main" xmlns:r="http://schemas.openxmlformats.org/officeDocument/2006/relationships" xmlns:p="http://schemas.openxmlformats.org/presentationml/2006/main">
   <p:cSld>
     <p:spTree>
@@ -3406,7 +3515,7 @@
 </p:sld>
 </file>
 
-<file path=ppt/slides/slide13.xml><?xml version="1.0" encoding="utf-8"?>
+<file path=ppt/slides/slide15.xml><?xml version="1.0" encoding="utf-8"?>
 <p:sld xmlns:a="http://schemas.openxmlformats.org/drawingml/2006/main" xmlns:r="http://schemas.openxmlformats.org/officeDocument/2006/relationships" xmlns:p="http://schemas.openxmlformats.org/presentationml/2006/main">
   <p:cSld>
     <p:spTree>
@@ -3464,33 +3573,6 @@
           <a:p>
             <a:r>
               <a:rPr lang="en-US" sz="2400" dirty="0"/>
-              <a:t>What is Power BI?</a:t>
-            </a:r>
-          </a:p>
-          <a:p>
-            <a:pPr lvl="1"/>
-            <a:r>
-              <a:rPr lang="en-US" sz="2000" dirty="0"/>
-              <a:t>Collection of cloud services &amp; tools for building BI solutions</a:t>
-            </a:r>
-          </a:p>
-          <a:p>
-            <a:pPr lvl="1"/>
-            <a:r>
-              <a:rPr lang="en-US" sz="2000" dirty="0"/>
-              <a:t>Power BI service available to licensed subscribers</a:t>
-            </a:r>
-          </a:p>
-          <a:p>
-            <a:pPr lvl="1"/>
-            <a:r>
-              <a:rPr lang="en-US" sz="2000" dirty="0"/>
-              <a:t>Power BI model based on datasets, reports and dashboards</a:t>
-            </a:r>
-          </a:p>
-          <a:p>
-            <a:r>
-              <a:rPr lang="en-US" sz="2400" dirty="0"/>
               <a:t>What is the Power BI REST API?</a:t>
             </a:r>
           </a:p>
@@ -3509,9 +3591,19 @@
             </a:r>
           </a:p>
           <a:p>
+            <a:endParaRPr lang="en-US" sz="2400" dirty="0"/>
+          </a:p>
+          <a:p>
             <a:r>
               <a:rPr lang="en-US" sz="2400" dirty="0"/>
               <a:t>What can you do with the Power BI REST API?</a:t>
+            </a:r>
+          </a:p>
+          <a:p>
+            <a:pPr lvl="1"/>
+            <a:r>
+              <a:rPr lang="en-US" sz="2000" dirty="0"/>
+              <a:t>Upload</a:t>
             </a:r>
           </a:p>
           <a:p>
@@ -3664,37 +3756,6 @@
                                   </p:childTnLst>
                                 </p:cTn>
                               </p:par>
-                              <p:par>
-                                <p:cTn id="11" presetID="1" presetClass="entr" presetSubtype="0" fill="hold" nodeType="withEffect">
-                                  <p:stCondLst>
-                                    <p:cond delay="0"/>
-                                  </p:stCondLst>
-                                  <p:childTnLst>
-                                    <p:set>
-                                      <p:cBhvr>
-                                        <p:cTn id="12" dur="1" fill="hold">
-                                          <p:stCondLst>
-                                            <p:cond delay="0"/>
-                                          </p:stCondLst>
-                                        </p:cTn>
-                                        <p:tgtEl>
-                                          <p:spTgt spid="3">
-                                            <p:txEl>
-                                              <p:pRg st="3" end="3"/>
-                                            </p:txEl>
-                                          </p:spTgt>
-                                        </p:tgtEl>
-                                        <p:attrNameLst>
-                                          <p:attrName>style.visibility</p:attrName>
-                                        </p:attrNameLst>
-                                      </p:cBhvr>
-                                      <p:to>
-                                        <p:strVal val="visible"/>
-                                      </p:to>
-                                    </p:set>
-                                  </p:childTnLst>
-                                </p:cTn>
-                              </p:par>
                             </p:childTnLst>
                           </p:cTn>
                         </p:par>
@@ -3702,26 +3763,26 @@
                     </p:cTn>
                   </p:par>
                   <p:par>
-                    <p:cTn id="13" fill="hold" nodeType="clickPar">
+                    <p:cTn id="11" fill="hold" nodeType="clickPar">
                       <p:stCondLst>
                         <p:cond delay="indefinite"/>
                       </p:stCondLst>
                       <p:childTnLst>
                         <p:par>
-                          <p:cTn id="14" fill="hold" nodeType="withGroup">
+                          <p:cTn id="12" fill="hold" nodeType="withGroup">
                             <p:stCondLst>
                               <p:cond delay="0"/>
                             </p:stCondLst>
                             <p:childTnLst>
                               <p:par>
-                                <p:cTn id="15" presetID="1" presetClass="entr" presetSubtype="0" fill="hold" nodeType="clickEffect">
+                                <p:cTn id="13" presetID="1" presetClass="entr" presetSubtype="0" fill="hold" nodeType="clickEffect">
                                   <p:stCondLst>
                                     <p:cond delay="0"/>
                                   </p:stCondLst>
                                   <p:childTnLst>
                                     <p:set>
                                       <p:cBhvr>
-                                        <p:cTn id="16" dur="1" fill="hold">
+                                        <p:cTn id="14" dur="1" fill="hold">
                                           <p:stCondLst>
                                             <p:cond delay="0"/>
                                           </p:stCondLst>
@@ -3744,8 +3805,26 @@
                                   </p:childTnLst>
                                 </p:cTn>
                               </p:par>
+                            </p:childTnLst>
+                          </p:cTn>
+                        </p:par>
+                      </p:childTnLst>
+                    </p:cTn>
+                  </p:par>
+                  <p:par>
+                    <p:cTn id="15" fill="hold">
+                      <p:stCondLst>
+                        <p:cond delay="indefinite"/>
+                      </p:stCondLst>
+                      <p:childTnLst>
+                        <p:par>
+                          <p:cTn id="16" fill="hold">
+                            <p:stCondLst>
+                              <p:cond delay="0"/>
+                            </p:stCondLst>
+                            <p:childTnLst>
                               <p:par>
-                                <p:cTn id="17" presetID="1" presetClass="entr" presetSubtype="0" fill="hold" nodeType="withEffect">
+                                <p:cTn id="17" presetID="1" presetClass="entr" presetSubtype="0" fill="hold" nodeType="clickEffect">
                                   <p:stCondLst>
                                     <p:cond delay="0"/>
                                   </p:stCondLst>
@@ -3806,33 +3885,15 @@
                                   </p:childTnLst>
                                 </p:cTn>
                               </p:par>
-                            </p:childTnLst>
-                          </p:cTn>
-                        </p:par>
-                      </p:childTnLst>
-                    </p:cTn>
-                  </p:par>
-                  <p:par>
-                    <p:cTn id="21" fill="hold" nodeType="clickPar">
-                      <p:stCondLst>
-                        <p:cond delay="indefinite"/>
-                      </p:stCondLst>
-                      <p:childTnLst>
-                        <p:par>
-                          <p:cTn id="22" fill="hold" nodeType="withGroup">
-                            <p:stCondLst>
-                              <p:cond delay="0"/>
-                            </p:stCondLst>
-                            <p:childTnLst>
                               <p:par>
-                                <p:cTn id="23" presetID="1" presetClass="entr" presetSubtype="0" fill="hold" nodeType="clickEffect">
+                                <p:cTn id="21" presetID="1" presetClass="entr" presetSubtype="0" fill="hold" nodeType="withEffect">
                                   <p:stCondLst>
                                     <p:cond delay="0"/>
                                   </p:stCondLst>
                                   <p:childTnLst>
                                     <p:set>
                                       <p:cBhvr>
-                                        <p:cTn id="24" dur="1" fill="hold">
+                                        <p:cTn id="22" dur="1" fill="hold">
                                           <p:stCondLst>
                                             <p:cond delay="0"/>
                                           </p:stCondLst>
@@ -3856,14 +3917,14 @@
                                 </p:cTn>
                               </p:par>
                               <p:par>
-                                <p:cTn id="25" presetID="1" presetClass="entr" presetSubtype="0" fill="hold" nodeType="withEffect">
+                                <p:cTn id="23" presetID="1" presetClass="entr" presetSubtype="0" fill="hold" nodeType="withEffect">
                                   <p:stCondLst>
                                     <p:cond delay="0"/>
                                   </p:stCondLst>
                                   <p:childTnLst>
                                     <p:set>
                                       <p:cBhvr>
-                                        <p:cTn id="26" dur="1" fill="hold">
+                                        <p:cTn id="24" dur="1" fill="hold">
                                           <p:stCondLst>
                                             <p:cond delay="0"/>
                                           </p:stCondLst>
@@ -3872,68 +3933,6 @@
                                           <p:spTgt spid="3">
                                             <p:txEl>
                                               <p:pRg st="8" end="8"/>
-                                            </p:txEl>
-                                          </p:spTgt>
-                                        </p:tgtEl>
-                                        <p:attrNameLst>
-                                          <p:attrName>style.visibility</p:attrName>
-                                        </p:attrNameLst>
-                                      </p:cBhvr>
-                                      <p:to>
-                                        <p:strVal val="visible"/>
-                                      </p:to>
-                                    </p:set>
-                                  </p:childTnLst>
-                                </p:cTn>
-                              </p:par>
-                              <p:par>
-                                <p:cTn id="27" presetID="1" presetClass="entr" presetSubtype="0" fill="hold" nodeType="withEffect">
-                                  <p:stCondLst>
-                                    <p:cond delay="0"/>
-                                  </p:stCondLst>
-                                  <p:childTnLst>
-                                    <p:set>
-                                      <p:cBhvr>
-                                        <p:cTn id="28" dur="1" fill="hold">
-                                          <p:stCondLst>
-                                            <p:cond delay="0"/>
-                                          </p:stCondLst>
-                                        </p:cTn>
-                                        <p:tgtEl>
-                                          <p:spTgt spid="3">
-                                            <p:txEl>
-                                              <p:pRg st="9" end="9"/>
-                                            </p:txEl>
-                                          </p:spTgt>
-                                        </p:tgtEl>
-                                        <p:attrNameLst>
-                                          <p:attrName>style.visibility</p:attrName>
-                                        </p:attrNameLst>
-                                      </p:cBhvr>
-                                      <p:to>
-                                        <p:strVal val="visible"/>
-                                      </p:to>
-                                    </p:set>
-                                  </p:childTnLst>
-                                </p:cTn>
-                              </p:par>
-                              <p:par>
-                                <p:cTn id="29" presetID="1" presetClass="entr" presetSubtype="0" fill="hold" nodeType="withEffect">
-                                  <p:stCondLst>
-                                    <p:cond delay="0"/>
-                                  </p:stCondLst>
-                                  <p:childTnLst>
-                                    <p:set>
-                                      <p:cBhvr>
-                                        <p:cTn id="30" dur="1" fill="hold">
-                                          <p:stCondLst>
-                                            <p:cond delay="0"/>
-                                          </p:stCondLst>
-                                        </p:cTn>
-                                        <p:tgtEl>
-                                          <p:spTgt spid="3">
-                                            <p:txEl>
-                                              <p:pRg st="10" end="10"/>
                                             </p:txEl>
                                           </p:spTgt>
                                         </p:tgtEl>
@@ -3979,7 +3978,7 @@
 </p:sld>
 </file>
 
-<file path=ppt/slides/slide14.xml><?xml version="1.0" encoding="utf-8"?>
+<file path=ppt/slides/slide16.xml><?xml version="1.0" encoding="utf-8"?>
 <p:sld xmlns:a="http://schemas.openxmlformats.org/drawingml/2006/main" xmlns:r="http://schemas.openxmlformats.org/officeDocument/2006/relationships" xmlns:p="http://schemas.openxmlformats.org/presentationml/2006/main">
   <p:cSld>
     <p:spTree>
@@ -4307,7 +4306,7 @@
 </p:sld>
 </file>
 
-<file path=ppt/slides/slide15.xml><?xml version="1.0" encoding="utf-8"?>
+<file path=ppt/slides/slide17.xml><?xml version="1.0" encoding="utf-8"?>
 <p:sld xmlns:a="http://schemas.openxmlformats.org/drawingml/2006/main" xmlns:r="http://schemas.openxmlformats.org/officeDocument/2006/relationships" xmlns:p="http://schemas.openxmlformats.org/presentationml/2006/main">
   <p:cSld>
     <p:spTree>
@@ -4895,7 +4894,7 @@
 </p:sld>
 </file>
 
-<file path=ppt/slides/slide16.xml><?xml version="1.0" encoding="utf-8"?>
+<file path=ppt/slides/slide18.xml><?xml version="1.0" encoding="utf-8"?>
 <p:sld xmlns:a="http://schemas.openxmlformats.org/drawingml/2006/main" xmlns:r="http://schemas.openxmlformats.org/officeDocument/2006/relationships" xmlns:p="http://schemas.openxmlformats.org/presentationml/2006/main">
   <p:cSld>
     <p:spTree>
@@ -5426,7 +5425,7 @@
 </p:sld>
 </file>
 
-<file path=ppt/slides/slide17.xml><?xml version="1.0" encoding="utf-8"?>
+<file path=ppt/slides/slide19.xml><?xml version="1.0" encoding="utf-8"?>
 <p:sld xmlns:a="http://schemas.openxmlformats.org/drawingml/2006/main" xmlns:r="http://schemas.openxmlformats.org/officeDocument/2006/relationships" xmlns:p="http://schemas.openxmlformats.org/presentationml/2006/main">
   <p:cSld>
     <p:spTree>
@@ -5624,7 +5623,99 @@
 </p:sld>
 </file>
 
-<file path=ppt/slides/slide18.xml><?xml version="1.0" encoding="utf-8"?>
+<file path=ppt/slides/slide2.xml><?xml version="1.0" encoding="utf-8"?>
+<p:sld xmlns:a="http://schemas.openxmlformats.org/drawingml/2006/main" xmlns:r="http://schemas.openxmlformats.org/officeDocument/2006/relationships" xmlns:p="http://schemas.openxmlformats.org/presentationml/2006/main">
+  <p:cSld>
+    <p:spTree>
+      <p:nvGrpSpPr>
+        <p:cNvPr id="1" name=""/>
+        <p:cNvGrpSpPr/>
+        <p:nvPr/>
+      </p:nvGrpSpPr>
+      <p:grpSpPr>
+        <a:xfrm>
+          <a:off x="0" y="0"/>
+          <a:ext cx="0" cy="0"/>
+          <a:chOff x="0" y="0"/>
+          <a:chExt cx="0" cy="0"/>
+        </a:xfrm>
+      </p:grpSpPr>
+      <p:sp>
+        <p:nvSpPr>
+          <p:cNvPr id="13314" name="Title 1"/>
+          <p:cNvSpPr>
+            <a:spLocks noGrp="1"/>
+          </p:cNvSpPr>
+          <p:nvPr>
+            <p:ph type="title"/>
+          </p:nvPr>
+        </p:nvSpPr>
+        <p:spPr/>
+        <p:txBody>
+          <a:bodyPr/>
+          <a:lstStyle/>
+          <a:p>
+            <a:r>
+              <a:rPr lang="en-US" altLang="en-US"/>
+              <a:t>Agenda</a:t>
+            </a:r>
+          </a:p>
+        </p:txBody>
+      </p:sp>
+      <p:sp>
+        <p:nvSpPr>
+          <p:cNvPr id="13315" name="Content Placeholder 2"/>
+          <p:cNvSpPr>
+            <a:spLocks noGrp="1"/>
+          </p:cNvSpPr>
+          <p:nvPr>
+            <p:ph idx="1"/>
+          </p:nvPr>
+        </p:nvSpPr>
+        <p:spPr/>
+        <p:txBody>
+          <a:bodyPr/>
+          <a:lstStyle/>
+          <a:p>
+            <a:r>
+              <a:rPr lang="en-US" altLang="en-US" dirty="0"/>
+              <a:t>Understanding Authentication with Azure AD</a:t>
+            </a:r>
+          </a:p>
+          <a:p>
+            <a:r>
+              <a:rPr lang="en-US" altLang="en-US" dirty="0"/>
+              <a:t>Getting Started with the Power BI REST API</a:t>
+            </a:r>
+          </a:p>
+          <a:p>
+            <a:r>
+              <a:rPr lang="en-US" altLang="en-US" dirty="0"/>
+              <a:t>Creating a Real-time Dashboard using C#</a:t>
+            </a:r>
+          </a:p>
+          <a:p>
+            <a:r>
+              <a:rPr lang="en-US" altLang="en-US" dirty="0"/>
+              <a:t>Creating a Real-time Dashboard using Flow</a:t>
+            </a:r>
+          </a:p>
+        </p:txBody>
+      </p:sp>
+    </p:spTree>
+    <p:extLst>
+      <p:ext uri="{BB962C8B-B14F-4D97-AF65-F5344CB8AC3E}">
+        <p14:creationId xmlns:p14="http://schemas.microsoft.com/office/powerpoint/2010/main" val="271363360"/>
+      </p:ext>
+    </p:extLst>
+  </p:cSld>
+  <p:clrMapOvr>
+    <a:masterClrMapping/>
+  </p:clrMapOvr>
+</p:sld>
+</file>
+
+<file path=ppt/slides/slide20.xml><?xml version="1.0" encoding="utf-8"?>
 <p:sld xmlns:a="http://schemas.openxmlformats.org/drawingml/2006/main" xmlns:r="http://schemas.openxmlformats.org/officeDocument/2006/relationships" xmlns:p="http://schemas.openxmlformats.org/presentationml/2006/main">
   <p:cSld>
     <p:spTree>
@@ -5747,7 +5838,7 @@
 </p:sld>
 </file>
 
-<file path=ppt/slides/slide19.xml><?xml version="1.0" encoding="utf-8"?>
+<file path=ppt/slides/slide21.xml><?xml version="1.0" encoding="utf-8"?>
 <p:sld xmlns:a="http://schemas.openxmlformats.org/drawingml/2006/main" xmlns:r="http://schemas.openxmlformats.org/officeDocument/2006/relationships" xmlns:p="http://schemas.openxmlformats.org/presentationml/2006/main">
   <p:cSld>
     <p:spTree>
@@ -6224,99 +6315,7 @@
 </p:sld>
 </file>
 
-<file path=ppt/slides/slide2.xml><?xml version="1.0" encoding="utf-8"?>
-<p:sld xmlns:a="http://schemas.openxmlformats.org/drawingml/2006/main" xmlns:r="http://schemas.openxmlformats.org/officeDocument/2006/relationships" xmlns:p="http://schemas.openxmlformats.org/presentationml/2006/main">
-  <p:cSld>
-    <p:spTree>
-      <p:nvGrpSpPr>
-        <p:cNvPr id="1" name=""/>
-        <p:cNvGrpSpPr/>
-        <p:nvPr/>
-      </p:nvGrpSpPr>
-      <p:grpSpPr>
-        <a:xfrm>
-          <a:off x="0" y="0"/>
-          <a:ext cx="0" cy="0"/>
-          <a:chOff x="0" y="0"/>
-          <a:chExt cx="0" cy="0"/>
-        </a:xfrm>
-      </p:grpSpPr>
-      <p:sp>
-        <p:nvSpPr>
-          <p:cNvPr id="13314" name="Title 1"/>
-          <p:cNvSpPr>
-            <a:spLocks noGrp="1"/>
-          </p:cNvSpPr>
-          <p:nvPr>
-            <p:ph type="title"/>
-          </p:nvPr>
-        </p:nvSpPr>
-        <p:spPr/>
-        <p:txBody>
-          <a:bodyPr/>
-          <a:lstStyle/>
-          <a:p>
-            <a:r>
-              <a:rPr lang="en-US" altLang="en-US"/>
-              <a:t>Agenda</a:t>
-            </a:r>
-          </a:p>
-        </p:txBody>
-      </p:sp>
-      <p:sp>
-        <p:nvSpPr>
-          <p:cNvPr id="13315" name="Content Placeholder 2"/>
-          <p:cNvSpPr>
-            <a:spLocks noGrp="1"/>
-          </p:cNvSpPr>
-          <p:nvPr>
-            <p:ph idx="1"/>
-          </p:nvPr>
-        </p:nvSpPr>
-        <p:spPr/>
-        <p:txBody>
-          <a:bodyPr/>
-          <a:lstStyle/>
-          <a:p>
-            <a:r>
-              <a:rPr lang="en-US" altLang="en-US" dirty="0"/>
-              <a:t>Understanding Authentication with Azure AD</a:t>
-            </a:r>
-          </a:p>
-          <a:p>
-            <a:r>
-              <a:rPr lang="en-US" altLang="en-US" dirty="0"/>
-              <a:t>Getting Started with the Power BI REST API</a:t>
-            </a:r>
-          </a:p>
-          <a:p>
-            <a:r>
-              <a:rPr lang="en-US" altLang="en-US" dirty="0"/>
-              <a:t>Creating a Real-time Dashboard using C#</a:t>
-            </a:r>
-          </a:p>
-          <a:p>
-            <a:r>
-              <a:rPr lang="en-US" altLang="en-US" dirty="0"/>
-              <a:t>Creating a Real-time Dashboard using Flow</a:t>
-            </a:r>
-          </a:p>
-        </p:txBody>
-      </p:sp>
-    </p:spTree>
-    <p:extLst>
-      <p:ext uri="{BB962C8B-B14F-4D97-AF65-F5344CB8AC3E}">
-        <p14:creationId xmlns:p14="http://schemas.microsoft.com/office/powerpoint/2010/main" val="271363360"/>
-      </p:ext>
-    </p:extLst>
-  </p:cSld>
-  <p:clrMapOvr>
-    <a:masterClrMapping/>
-  </p:clrMapOvr>
-</p:sld>
-</file>
-
-<file path=ppt/slides/slide20.xml><?xml version="1.0" encoding="utf-8"?>
+<file path=ppt/slides/slide22.xml><?xml version="1.0" encoding="utf-8"?>
 <p:sld xmlns:a="http://schemas.openxmlformats.org/drawingml/2006/main" xmlns:r="http://schemas.openxmlformats.org/officeDocument/2006/relationships" xmlns:p="http://schemas.openxmlformats.org/presentationml/2006/main">
   <p:cSld>
     <p:spTree>
@@ -6445,7 +6444,7 @@
 </p:sld>
 </file>
 
-<file path=ppt/slides/slide21.xml><?xml version="1.0" encoding="utf-8"?>
+<file path=ppt/slides/slide23.xml><?xml version="1.0" encoding="utf-8"?>
 <p:sld xmlns:a="http://schemas.openxmlformats.org/drawingml/2006/main" xmlns:r="http://schemas.openxmlformats.org/officeDocument/2006/relationships" xmlns:p="http://schemas.openxmlformats.org/presentationml/2006/main">
   <p:cSld>
     <p:spTree>
@@ -7335,7 +7334,7 @@
 </p:sld>
 </file>
 
-<file path=ppt/slides/slide22.xml><?xml version="1.0" encoding="utf-8"?>
+<file path=ppt/slides/slide24.xml><?xml version="1.0" encoding="utf-8"?>
 <p:sld xmlns:a="http://schemas.openxmlformats.org/drawingml/2006/main" xmlns:r="http://schemas.openxmlformats.org/officeDocument/2006/relationships" xmlns:p="http://schemas.openxmlformats.org/presentationml/2006/main">
   <p:cSld>
     <p:spTree>
@@ -7723,7 +7722,7 @@
 </p:sld>
 </file>
 
-<file path=ppt/slides/slide23.xml><?xml version="1.0" encoding="utf-8"?>
+<file path=ppt/slides/slide25.xml><?xml version="1.0" encoding="utf-8"?>
 <p:sld xmlns:a="http://schemas.openxmlformats.org/drawingml/2006/main" xmlns:r="http://schemas.openxmlformats.org/officeDocument/2006/relationships" xmlns:p="http://schemas.openxmlformats.org/presentationml/2006/main">
   <p:cSld>
     <p:spTree>
@@ -8328,7 +8327,7 @@
 </p:sld>
 </file>
 
-<file path=ppt/slides/slide24.xml><?xml version="1.0" encoding="utf-8"?>
+<file path=ppt/slides/slide26.xml><?xml version="1.0" encoding="utf-8"?>
 <p:sld xmlns:a="http://schemas.openxmlformats.org/drawingml/2006/main" xmlns:r="http://schemas.openxmlformats.org/officeDocument/2006/relationships" xmlns:p="http://schemas.openxmlformats.org/presentationml/2006/main">
   <p:cSld>
     <p:spTree>
@@ -8435,7 +8434,7 @@
 </p:sld>
 </file>
 
-<file path=ppt/slides/slide25.xml><?xml version="1.0" encoding="utf-8"?>
+<file path=ppt/slides/slide27.xml><?xml version="1.0" encoding="utf-8"?>
 <p:sld xmlns:a="http://schemas.openxmlformats.org/drawingml/2006/main" xmlns:r="http://schemas.openxmlformats.org/officeDocument/2006/relationships" xmlns:p="http://schemas.openxmlformats.org/presentationml/2006/main">
   <p:cSld>
     <p:spTree>
@@ -9725,7 +9724,7 @@
 </p:sld>
 </file>
 
-<file path=ppt/slides/slide26.xml><?xml version="1.0" encoding="utf-8"?>
+<file path=ppt/slides/slide28.xml><?xml version="1.0" encoding="utf-8"?>
 <p:sld xmlns:a="http://schemas.openxmlformats.org/drawingml/2006/main" xmlns:r="http://schemas.openxmlformats.org/officeDocument/2006/relationships" xmlns:p="http://schemas.openxmlformats.org/presentationml/2006/main">
   <p:cSld>
     <p:spTree>
@@ -9998,7 +9997,7 @@
 </p:sld>
 </file>
 
-<file path=ppt/slides/slide27.xml><?xml version="1.0" encoding="utf-8"?>
+<file path=ppt/slides/slide29.xml><?xml version="1.0" encoding="utf-8"?>
 <p:sld xmlns:a="http://schemas.openxmlformats.org/drawingml/2006/main" xmlns:r="http://schemas.openxmlformats.org/officeDocument/2006/relationships" xmlns:p="http://schemas.openxmlformats.org/presentationml/2006/main">
   <p:cSld>
     <p:spTree>
@@ -10600,218 +10599,6 @@
     <p:extLst>
       <p:ext uri="{BB962C8B-B14F-4D97-AF65-F5344CB8AC3E}">
         <p14:creationId xmlns:p14="http://schemas.microsoft.com/office/powerpoint/2010/main" val="517351633"/>
-      </p:ext>
-    </p:extLst>
-  </p:cSld>
-  <p:clrMapOvr>
-    <a:masterClrMapping/>
-  </p:clrMapOvr>
-</p:sld>
-</file>
-
-<file path=ppt/slides/slide28.xml><?xml version="1.0" encoding="utf-8"?>
-<p:sld xmlns:a="http://schemas.openxmlformats.org/drawingml/2006/main" xmlns:r="http://schemas.openxmlformats.org/officeDocument/2006/relationships" xmlns:p="http://schemas.openxmlformats.org/presentationml/2006/main">
-  <p:cSld>
-    <p:spTree>
-      <p:nvGrpSpPr>
-        <p:cNvPr id="1" name=""/>
-        <p:cNvGrpSpPr/>
-        <p:nvPr/>
-      </p:nvGrpSpPr>
-      <p:grpSpPr>
-        <a:xfrm>
-          <a:off x="0" y="0"/>
-          <a:ext cx="0" cy="0"/>
-          <a:chOff x="0" y="0"/>
-          <a:chExt cx="0" cy="0"/>
-        </a:xfrm>
-      </p:grpSpPr>
-      <p:sp>
-        <p:nvSpPr>
-          <p:cNvPr id="13314" name="Title 1"/>
-          <p:cNvSpPr>
-            <a:spLocks noGrp="1"/>
-          </p:cNvSpPr>
-          <p:nvPr>
-            <p:ph type="title"/>
-          </p:nvPr>
-        </p:nvSpPr>
-        <p:spPr/>
-        <p:txBody>
-          <a:bodyPr/>
-          <a:lstStyle/>
-          <a:p>
-            <a:r>
-              <a:rPr lang="en-US" altLang="en-US"/>
-              <a:t>Agenda</a:t>
-            </a:r>
-          </a:p>
-        </p:txBody>
-      </p:sp>
-      <p:sp>
-        <p:nvSpPr>
-          <p:cNvPr id="13315" name="Content Placeholder 2"/>
-          <p:cNvSpPr>
-            <a:spLocks noGrp="1"/>
-          </p:cNvSpPr>
-          <p:nvPr>
-            <p:ph idx="1"/>
-          </p:nvPr>
-        </p:nvSpPr>
-        <p:spPr/>
-        <p:txBody>
-          <a:bodyPr/>
-          <a:lstStyle/>
-          <a:p>
-            <a:pPr>
-              <a:buFont typeface="Wingdings" panose="05000000000000000000" pitchFamily="2" charset="2"/>
-              <a:buChar char="ü"/>
-            </a:pPr>
-            <a:r>
-              <a:rPr lang="en-US" altLang="en-US" dirty="0"/>
-              <a:t>Understanding Authentication with Azure AD</a:t>
-            </a:r>
-          </a:p>
-          <a:p>
-            <a:pPr>
-              <a:buFont typeface="Wingdings" panose="05000000000000000000" pitchFamily="2" charset="2"/>
-              <a:buChar char="ü"/>
-            </a:pPr>
-            <a:r>
-              <a:rPr lang="en-US" altLang="en-US" dirty="0"/>
-              <a:t>Getting Started with the Power BI REST API</a:t>
-            </a:r>
-          </a:p>
-          <a:p>
-            <a:pPr>
-              <a:buFont typeface="Wingdings" panose="05000000000000000000" pitchFamily="2" charset="2"/>
-              <a:buChar char="Ø"/>
-            </a:pPr>
-            <a:r>
-              <a:rPr lang="en-US" altLang="en-US" dirty="0"/>
-              <a:t>Creating a Real-time Dashboard using C#</a:t>
-            </a:r>
-          </a:p>
-          <a:p>
-            <a:r>
-              <a:rPr lang="en-US" altLang="en-US" dirty="0"/>
-              <a:t>Creating a Real-time Dashboard using Flow</a:t>
-            </a:r>
-          </a:p>
-        </p:txBody>
-      </p:sp>
-    </p:spTree>
-    <p:extLst>
-      <p:ext uri="{BB962C8B-B14F-4D97-AF65-F5344CB8AC3E}">
-        <p14:creationId xmlns:p14="http://schemas.microsoft.com/office/powerpoint/2010/main" val="2331235725"/>
-      </p:ext>
-    </p:extLst>
-  </p:cSld>
-  <p:clrMapOvr>
-    <a:masterClrMapping/>
-  </p:clrMapOvr>
-</p:sld>
-</file>
-
-<file path=ppt/slides/slide29.xml><?xml version="1.0" encoding="utf-8"?>
-<p:sld xmlns:a="http://schemas.openxmlformats.org/drawingml/2006/main" xmlns:r="http://schemas.openxmlformats.org/officeDocument/2006/relationships" xmlns:p="http://schemas.openxmlformats.org/presentationml/2006/main">
-  <p:cSld>
-    <p:spTree>
-      <p:nvGrpSpPr>
-        <p:cNvPr id="1" name=""/>
-        <p:cNvGrpSpPr/>
-        <p:nvPr/>
-      </p:nvGrpSpPr>
-      <p:grpSpPr>
-        <a:xfrm>
-          <a:off x="0" y="0"/>
-          <a:ext cx="0" cy="0"/>
-          <a:chOff x="0" y="0"/>
-          <a:chExt cx="0" cy="0"/>
-        </a:xfrm>
-      </p:grpSpPr>
-      <p:sp>
-        <p:nvSpPr>
-          <p:cNvPr id="13314" name="Title 1"/>
-          <p:cNvSpPr>
-            <a:spLocks noGrp="1"/>
-          </p:cNvSpPr>
-          <p:nvPr>
-            <p:ph type="title"/>
-          </p:nvPr>
-        </p:nvSpPr>
-        <p:spPr/>
-        <p:txBody>
-          <a:bodyPr/>
-          <a:lstStyle/>
-          <a:p>
-            <a:r>
-              <a:rPr lang="en-US" altLang="en-US"/>
-              <a:t>Agenda</a:t>
-            </a:r>
-          </a:p>
-        </p:txBody>
-      </p:sp>
-      <p:sp>
-        <p:nvSpPr>
-          <p:cNvPr id="13315" name="Content Placeholder 2"/>
-          <p:cNvSpPr>
-            <a:spLocks noGrp="1"/>
-          </p:cNvSpPr>
-          <p:nvPr>
-            <p:ph idx="1"/>
-          </p:nvPr>
-        </p:nvSpPr>
-        <p:spPr/>
-        <p:txBody>
-          <a:bodyPr/>
-          <a:lstStyle/>
-          <a:p>
-            <a:pPr>
-              <a:buFont typeface="Wingdings" panose="05000000000000000000" pitchFamily="2" charset="2"/>
-              <a:buChar char="ü"/>
-            </a:pPr>
-            <a:r>
-              <a:rPr lang="en-US" altLang="en-US" dirty="0"/>
-              <a:t>Understanding Authentication with Azure AD</a:t>
-            </a:r>
-          </a:p>
-          <a:p>
-            <a:pPr>
-              <a:buFont typeface="Wingdings" panose="05000000000000000000" pitchFamily="2" charset="2"/>
-              <a:buChar char="ü"/>
-            </a:pPr>
-            <a:r>
-              <a:rPr lang="en-US" altLang="en-US" dirty="0"/>
-              <a:t>Getting Started with the Power BI REST API</a:t>
-            </a:r>
-          </a:p>
-          <a:p>
-            <a:pPr>
-              <a:buFont typeface="Wingdings" panose="05000000000000000000" pitchFamily="2" charset="2"/>
-              <a:buChar char="ü"/>
-            </a:pPr>
-            <a:r>
-              <a:rPr lang="en-US" altLang="en-US" dirty="0"/>
-              <a:t>Creating a Real-time Dashboard using C#</a:t>
-            </a:r>
-          </a:p>
-          <a:p>
-            <a:pPr>
-              <a:buFont typeface="Wingdings" panose="05000000000000000000" pitchFamily="2" charset="2"/>
-              <a:buChar char="Ø"/>
-            </a:pPr>
-            <a:r>
-              <a:rPr lang="en-US" altLang="en-US" dirty="0"/>
-              <a:t>Creating a Real-time Dashboard using Flow</a:t>
-            </a:r>
-          </a:p>
-        </p:txBody>
-      </p:sp>
-    </p:spTree>
-    <p:extLst>
-      <p:ext uri="{BB962C8B-B14F-4D97-AF65-F5344CB8AC3E}">
-        <p14:creationId xmlns:p14="http://schemas.microsoft.com/office/powerpoint/2010/main" val="3730735017"/>
       </p:ext>
     </p:extLst>
   </p:cSld>
@@ -11348,8 +11135,8 @@
           <a:lstStyle/>
           <a:p>
             <a:r>
-              <a:rPr lang="en-US" altLang="en-US" dirty="0"/>
-              <a:t>Summary</a:t>
+              <a:rPr lang="en-US" altLang="en-US"/>
+              <a:t>Agenda</a:t>
             </a:r>
           </a:p>
         </p:txBody>
@@ -11391,7 +11178,7 @@
           <a:p>
             <a:pPr>
               <a:buFont typeface="Wingdings" panose="05000000000000000000" pitchFamily="2" charset="2"/>
-              <a:buChar char="ü"/>
+              <a:buChar char="Ø"/>
             </a:pPr>
             <a:r>
               <a:rPr lang="en-US" altLang="en-US" dirty="0"/>
@@ -11399,10 +11186,6 @@
             </a:r>
           </a:p>
           <a:p>
-            <a:pPr>
-              <a:buFont typeface="Wingdings" panose="05000000000000000000" pitchFamily="2" charset="2"/>
-              <a:buChar char="ü"/>
-            </a:pPr>
             <a:r>
               <a:rPr lang="en-US" altLang="en-US" dirty="0"/>
               <a:t>Creating a Real-time Dashboard using Flow</a:t>
@@ -11413,7 +11196,7 @@
     </p:spTree>
     <p:extLst>
       <p:ext uri="{BB962C8B-B14F-4D97-AF65-F5344CB8AC3E}">
-        <p14:creationId xmlns:p14="http://schemas.microsoft.com/office/powerpoint/2010/main" val="1370976033"/>
+        <p14:creationId xmlns:p14="http://schemas.microsoft.com/office/powerpoint/2010/main" val="2331235725"/>
       </p:ext>
     </p:extLst>
   </p:cSld>
@@ -11483,6 +11266,222 @@
             </a:pPr>
             <a:r>
               <a:rPr lang="en-US" altLang="en-US" dirty="0"/>
+              <a:t>Understanding Authentication with Azure AD</a:t>
+            </a:r>
+          </a:p>
+          <a:p>
+            <a:pPr>
+              <a:buFont typeface="Wingdings" panose="05000000000000000000" pitchFamily="2" charset="2"/>
+              <a:buChar char="ü"/>
+            </a:pPr>
+            <a:r>
+              <a:rPr lang="en-US" altLang="en-US" dirty="0"/>
+              <a:t>Getting Started with the Power BI REST API</a:t>
+            </a:r>
+          </a:p>
+          <a:p>
+            <a:pPr>
+              <a:buFont typeface="Wingdings" panose="05000000000000000000" pitchFamily="2" charset="2"/>
+              <a:buChar char="ü"/>
+            </a:pPr>
+            <a:r>
+              <a:rPr lang="en-US" altLang="en-US" dirty="0"/>
+              <a:t>Creating a Real-time Dashboard using C#</a:t>
+            </a:r>
+          </a:p>
+          <a:p>
+            <a:pPr>
+              <a:buFont typeface="Wingdings" panose="05000000000000000000" pitchFamily="2" charset="2"/>
+              <a:buChar char="Ø"/>
+            </a:pPr>
+            <a:r>
+              <a:rPr lang="en-US" altLang="en-US" dirty="0"/>
+              <a:t>Creating a Real-time Dashboard using Flow</a:t>
+            </a:r>
+          </a:p>
+        </p:txBody>
+      </p:sp>
+    </p:spTree>
+    <p:extLst>
+      <p:ext uri="{BB962C8B-B14F-4D97-AF65-F5344CB8AC3E}">
+        <p14:creationId xmlns:p14="http://schemas.microsoft.com/office/powerpoint/2010/main" val="3730735017"/>
+      </p:ext>
+    </p:extLst>
+  </p:cSld>
+  <p:clrMapOvr>
+    <a:masterClrMapping/>
+  </p:clrMapOvr>
+</p:sld>
+</file>
+
+<file path=ppt/slides/slide32.xml><?xml version="1.0" encoding="utf-8"?>
+<p:sld xmlns:a="http://schemas.openxmlformats.org/drawingml/2006/main" xmlns:r="http://schemas.openxmlformats.org/officeDocument/2006/relationships" xmlns:p="http://schemas.openxmlformats.org/presentationml/2006/main">
+  <p:cSld>
+    <p:spTree>
+      <p:nvGrpSpPr>
+        <p:cNvPr id="1" name=""/>
+        <p:cNvGrpSpPr/>
+        <p:nvPr/>
+      </p:nvGrpSpPr>
+      <p:grpSpPr>
+        <a:xfrm>
+          <a:off x="0" y="0"/>
+          <a:ext cx="0" cy="0"/>
+          <a:chOff x="0" y="0"/>
+          <a:chExt cx="0" cy="0"/>
+        </a:xfrm>
+      </p:grpSpPr>
+      <p:sp>
+        <p:nvSpPr>
+          <p:cNvPr id="13314" name="Title 1"/>
+          <p:cNvSpPr>
+            <a:spLocks noGrp="1"/>
+          </p:cNvSpPr>
+          <p:nvPr>
+            <p:ph type="title"/>
+          </p:nvPr>
+        </p:nvSpPr>
+        <p:spPr/>
+        <p:txBody>
+          <a:bodyPr/>
+          <a:lstStyle/>
+          <a:p>
+            <a:r>
+              <a:rPr lang="en-US" altLang="en-US" dirty="0"/>
+              <a:t>Summary</a:t>
+            </a:r>
+          </a:p>
+        </p:txBody>
+      </p:sp>
+      <p:sp>
+        <p:nvSpPr>
+          <p:cNvPr id="13315" name="Content Placeholder 2"/>
+          <p:cNvSpPr>
+            <a:spLocks noGrp="1"/>
+          </p:cNvSpPr>
+          <p:nvPr>
+            <p:ph idx="1"/>
+          </p:nvPr>
+        </p:nvSpPr>
+        <p:spPr/>
+        <p:txBody>
+          <a:bodyPr/>
+          <a:lstStyle/>
+          <a:p>
+            <a:pPr>
+              <a:buFont typeface="Wingdings" panose="05000000000000000000" pitchFamily="2" charset="2"/>
+              <a:buChar char="ü"/>
+            </a:pPr>
+            <a:r>
+              <a:rPr lang="en-US" altLang="en-US" dirty="0"/>
+              <a:t>Understanding Authentication with Azure AD</a:t>
+            </a:r>
+          </a:p>
+          <a:p>
+            <a:pPr>
+              <a:buFont typeface="Wingdings" panose="05000000000000000000" pitchFamily="2" charset="2"/>
+              <a:buChar char="ü"/>
+            </a:pPr>
+            <a:r>
+              <a:rPr lang="en-US" altLang="en-US" dirty="0"/>
+              <a:t>Getting Started with the Power BI REST API</a:t>
+            </a:r>
+          </a:p>
+          <a:p>
+            <a:pPr>
+              <a:buFont typeface="Wingdings" panose="05000000000000000000" pitchFamily="2" charset="2"/>
+              <a:buChar char="ü"/>
+            </a:pPr>
+            <a:r>
+              <a:rPr lang="en-US" altLang="en-US" dirty="0"/>
+              <a:t>Creating a Real-time Dashboard using C#</a:t>
+            </a:r>
+          </a:p>
+          <a:p>
+            <a:pPr>
+              <a:buFont typeface="Wingdings" panose="05000000000000000000" pitchFamily="2" charset="2"/>
+              <a:buChar char="ü"/>
+            </a:pPr>
+            <a:r>
+              <a:rPr lang="en-US" altLang="en-US" dirty="0"/>
+              <a:t>Creating a Real-time Dashboard using Flow</a:t>
+            </a:r>
+          </a:p>
+        </p:txBody>
+      </p:sp>
+    </p:spTree>
+    <p:extLst>
+      <p:ext uri="{BB962C8B-B14F-4D97-AF65-F5344CB8AC3E}">
+        <p14:creationId xmlns:p14="http://schemas.microsoft.com/office/powerpoint/2010/main" val="1370976033"/>
+      </p:ext>
+    </p:extLst>
+  </p:cSld>
+  <p:clrMapOvr>
+    <a:masterClrMapping/>
+  </p:clrMapOvr>
+</p:sld>
+</file>
+
+<file path=ppt/slides/slide33.xml><?xml version="1.0" encoding="utf-8"?>
+<p:sld xmlns:a="http://schemas.openxmlformats.org/drawingml/2006/main" xmlns:r="http://schemas.openxmlformats.org/officeDocument/2006/relationships" xmlns:p="http://schemas.openxmlformats.org/presentationml/2006/main">
+  <p:cSld>
+    <p:spTree>
+      <p:nvGrpSpPr>
+        <p:cNvPr id="1" name=""/>
+        <p:cNvGrpSpPr/>
+        <p:nvPr/>
+      </p:nvGrpSpPr>
+      <p:grpSpPr>
+        <a:xfrm>
+          <a:off x="0" y="0"/>
+          <a:ext cx="0" cy="0"/>
+          <a:chOff x="0" y="0"/>
+          <a:chExt cx="0" cy="0"/>
+        </a:xfrm>
+      </p:grpSpPr>
+      <p:sp>
+        <p:nvSpPr>
+          <p:cNvPr id="13314" name="Title 1"/>
+          <p:cNvSpPr>
+            <a:spLocks noGrp="1"/>
+          </p:cNvSpPr>
+          <p:nvPr>
+            <p:ph type="title"/>
+          </p:nvPr>
+        </p:nvSpPr>
+        <p:spPr/>
+        <p:txBody>
+          <a:bodyPr/>
+          <a:lstStyle/>
+          <a:p>
+            <a:r>
+              <a:rPr lang="en-US" altLang="en-US"/>
+              <a:t>Agenda</a:t>
+            </a:r>
+          </a:p>
+        </p:txBody>
+      </p:sp>
+      <p:sp>
+        <p:nvSpPr>
+          <p:cNvPr id="13315" name="Content Placeholder 2"/>
+          <p:cNvSpPr>
+            <a:spLocks noGrp="1"/>
+          </p:cNvSpPr>
+          <p:nvPr>
+            <p:ph idx="1"/>
+          </p:nvPr>
+        </p:nvSpPr>
+        <p:spPr/>
+        <p:txBody>
+          <a:bodyPr/>
+          <a:lstStyle/>
+          <a:p>
+            <a:pPr>
+              <a:buFont typeface="Wingdings" panose="05000000000000000000" pitchFamily="2" charset="2"/>
+              <a:buChar char="ü"/>
+            </a:pPr>
+            <a:r>
+              <a:rPr lang="en-US" altLang="en-US" dirty="0"/>
               <a:t>Getting Started with the Power BI REST API</a:t>
             </a:r>
           </a:p>
@@ -11523,7 +11522,7 @@
 </p:sld>
 </file>
 
-<file path=ppt/slides/slide32.xml><?xml version="1.0" encoding="utf-8"?>
+<file path=ppt/slides/slide34.xml><?xml version="1.0" encoding="utf-8"?>
 <p:sld xmlns:a="http://schemas.openxmlformats.org/drawingml/2006/main" xmlns:r="http://schemas.openxmlformats.org/officeDocument/2006/relationships" xmlns:p="http://schemas.openxmlformats.org/presentationml/2006/main">
   <p:cSld>
     <p:spTree>
@@ -12724,7 +12723,7 @@
 </p:sld>
 </file>
 
-<file path=ppt/slides/slide33.xml><?xml version="1.0" encoding="utf-8"?>
+<file path=ppt/slides/slide35.xml><?xml version="1.0" encoding="utf-8"?>
 <p:sld xmlns:a="http://schemas.openxmlformats.org/drawingml/2006/main" xmlns:r="http://schemas.openxmlformats.org/officeDocument/2006/relationships" xmlns:p="http://schemas.openxmlformats.org/presentationml/2006/main">
   <p:cSld>
     <p:spTree>
@@ -12859,7 +12858,7 @@
 </p:sld>
 </file>
 
-<file path=ppt/slides/slide34.xml><?xml version="1.0" encoding="utf-8"?>
+<file path=ppt/slides/slide36.xml><?xml version="1.0" encoding="utf-8"?>
 <p:sld xmlns:a="http://schemas.openxmlformats.org/drawingml/2006/main" xmlns:r="http://schemas.openxmlformats.org/officeDocument/2006/relationships" xmlns:p="http://schemas.openxmlformats.org/presentationml/2006/main">
   <p:cSld>
     <p:spTree>
@@ -13946,7 +13945,7 @@
 </p:sld>
 </file>
 
-<file path=ppt/slides/slide35.xml><?xml version="1.0" encoding="utf-8"?>
+<file path=ppt/slides/slide37.xml><?xml version="1.0" encoding="utf-8"?>
 <p:sld xmlns:a="http://schemas.openxmlformats.org/drawingml/2006/main" xmlns:r="http://schemas.openxmlformats.org/officeDocument/2006/relationships" xmlns:p="http://schemas.openxmlformats.org/presentationml/2006/main">
   <p:cSld>
     <p:spTree>
@@ -15557,7 +15556,7 @@
 </p:sld>
 </file>
 
-<file path=ppt/slides/slide36.xml><?xml version="1.0" encoding="utf-8"?>
+<file path=ppt/slides/slide38.xml><?xml version="1.0" encoding="utf-8"?>
 <p:sld xmlns:a="http://schemas.openxmlformats.org/drawingml/2006/main" xmlns:r="http://schemas.openxmlformats.org/officeDocument/2006/relationships" xmlns:p="http://schemas.openxmlformats.org/presentationml/2006/main">
   <p:cSld>
     <p:spTree>
@@ -15661,7 +15660,7 @@
 </p:sld>
 </file>
 
-<file path=ppt/slides/slide37.xml><?xml version="1.0" encoding="utf-8"?>
+<file path=ppt/slides/slide39.xml><?xml version="1.0" encoding="utf-8"?>
 <p:sld xmlns:a="http://schemas.openxmlformats.org/drawingml/2006/main" xmlns:r="http://schemas.openxmlformats.org/officeDocument/2006/relationships" xmlns:p="http://schemas.openxmlformats.org/presentationml/2006/main">
   <p:cSld>
     <p:spTree>
@@ -15990,409 +15989,6 @@
       </p:par>
     </p:tnLst>
   </p:timing>
-</p:sld>
-</file>
-
-<file path=ppt/slides/slide38.xml><?xml version="1.0" encoding="utf-8"?>
-<p:sld xmlns:a="http://schemas.openxmlformats.org/drawingml/2006/main" xmlns:r="http://schemas.openxmlformats.org/officeDocument/2006/relationships" xmlns:p="http://schemas.openxmlformats.org/presentationml/2006/main">
-  <p:cSld>
-    <p:spTree>
-      <p:nvGrpSpPr>
-        <p:cNvPr id="1" name=""/>
-        <p:cNvGrpSpPr/>
-        <p:nvPr/>
-      </p:nvGrpSpPr>
-      <p:grpSpPr>
-        <a:xfrm>
-          <a:off x="0" y="0"/>
-          <a:ext cx="0" cy="0"/>
-          <a:chOff x="0" y="0"/>
-          <a:chExt cx="0" cy="0"/>
-        </a:xfrm>
-      </p:grpSpPr>
-      <p:sp>
-        <p:nvSpPr>
-          <p:cNvPr id="37890" name="Title 1"/>
-          <p:cNvSpPr>
-            <a:spLocks noGrp="1"/>
-          </p:cNvSpPr>
-          <p:nvPr>
-            <p:ph type="title"/>
-          </p:nvPr>
-        </p:nvSpPr>
-        <p:spPr/>
-        <p:txBody>
-          <a:bodyPr/>
-          <a:lstStyle/>
-          <a:p>
-            <a:r>
-              <a:rPr lang="en-US" altLang="en-US" sz="3200" dirty="0"/>
-              <a:t>Understanding Implicit Grant Flow</a:t>
-            </a:r>
-          </a:p>
-        </p:txBody>
-      </p:sp>
-      <p:sp>
-        <p:nvSpPr>
-          <p:cNvPr id="3" name="Content Placeholder 2"/>
-          <p:cNvSpPr>
-            <a:spLocks noGrp="1"/>
-          </p:cNvSpPr>
-          <p:nvPr>
-            <p:ph idx="1"/>
-          </p:nvPr>
-        </p:nvSpPr>
-        <p:spPr/>
-        <p:txBody>
-          <a:bodyPr/>
-          <a:lstStyle/>
-          <a:p>
-            <a:pPr>
-              <a:defRPr/>
-            </a:pPr>
-            <a:r>
-              <a:rPr lang="en-US" sz="2400" dirty="0"/>
-              <a:t>Implicit Grant Flow</a:t>
-            </a:r>
-          </a:p>
-          <a:p>
-            <a:pPr lvl="1">
-              <a:defRPr/>
-            </a:pPr>
-            <a:r>
-              <a:rPr lang="en-US" sz="2000" dirty="0"/>
-              <a:t>Used when client cannot keep secrets (public client)</a:t>
-            </a:r>
-          </a:p>
-          <a:p>
-            <a:pPr lvl="1">
-              <a:defRPr/>
-            </a:pPr>
-            <a:r>
-              <a:rPr lang="en-US" sz="2000" dirty="0"/>
-              <a:t>Used with SPAs built using JavaScript and AngularJS</a:t>
-            </a:r>
-          </a:p>
-          <a:p>
-            <a:pPr lvl="1">
-              <a:defRPr/>
-            </a:pPr>
-            <a:r>
-              <a:rPr lang="en-US" sz="2000" dirty="0"/>
-              <a:t>Less secure than Authentication Code Grant</a:t>
-            </a:r>
-          </a:p>
-          <a:p>
-            <a:pPr lvl="1">
-              <a:defRPr/>
-            </a:pPr>
-            <a:endParaRPr lang="en-US" sz="2000" dirty="0"/>
-          </a:p>
-          <a:p>
-            <a:pPr>
-              <a:defRPr/>
-            </a:pPr>
-            <a:r>
-              <a:rPr lang="en-US" sz="2400" dirty="0"/>
-              <a:t>How does it work?</a:t>
-            </a:r>
-          </a:p>
-          <a:p>
-            <a:pPr lvl="1">
-              <a:defRPr/>
-            </a:pPr>
-            <a:r>
-              <a:rPr lang="en-US" sz="2000" dirty="0"/>
-              <a:t>Client authorizes user with AD authorization endpoint</a:t>
-            </a:r>
-          </a:p>
-          <a:p>
-            <a:pPr lvl="1">
-              <a:defRPr/>
-            </a:pPr>
-            <a:r>
-              <a:rPr lang="en-US" sz="2000" dirty="0"/>
-              <a:t>AD returns access token directly to SPA in browser</a:t>
-            </a:r>
-          </a:p>
-          <a:p>
-            <a:pPr lvl="1">
-              <a:defRPr/>
-            </a:pPr>
-            <a:r>
-              <a:rPr lang="en-US" sz="2000" dirty="0"/>
-              <a:t>Authentication flow does not involve authorization code</a:t>
-            </a:r>
-          </a:p>
-        </p:txBody>
-      </p:sp>
-    </p:spTree>
-    <p:extLst>
-      <p:ext uri="{BB962C8B-B14F-4D97-AF65-F5344CB8AC3E}">
-        <p14:creationId xmlns:p14="http://schemas.microsoft.com/office/powerpoint/2010/main" val="351282219"/>
-      </p:ext>
-    </p:extLst>
-  </p:cSld>
-  <p:clrMapOvr>
-    <a:masterClrMapping/>
-  </p:clrMapOvr>
-</p:sld>
-</file>
-
-<file path=ppt/slides/slide39.xml><?xml version="1.0" encoding="utf-8"?>
-<p:sld xmlns:a="http://schemas.openxmlformats.org/drawingml/2006/main" xmlns:r="http://schemas.openxmlformats.org/officeDocument/2006/relationships" xmlns:p="http://schemas.openxmlformats.org/presentationml/2006/main">
-  <p:cSld>
-    <p:spTree>
-      <p:nvGrpSpPr>
-        <p:cNvPr id="1" name=""/>
-        <p:cNvGrpSpPr/>
-        <p:nvPr/>
-      </p:nvGrpSpPr>
-      <p:grpSpPr>
-        <a:xfrm>
-          <a:off x="0" y="0"/>
-          <a:ext cx="0" cy="0"/>
-          <a:chOff x="0" y="0"/>
-          <a:chExt cx="0" cy="0"/>
-        </a:xfrm>
-      </p:grpSpPr>
-      <p:sp>
-        <p:nvSpPr>
-          <p:cNvPr id="38914" name="Title 1"/>
-          <p:cNvSpPr>
-            <a:spLocks noGrp="1"/>
-          </p:cNvSpPr>
-          <p:nvPr>
-            <p:ph type="title"/>
-          </p:nvPr>
-        </p:nvSpPr>
-        <p:spPr/>
-        <p:txBody>
-          <a:bodyPr/>
-          <a:lstStyle/>
-          <a:p>
-            <a:r>
-              <a:rPr lang="en-US" altLang="en-US" sz="3200"/>
-              <a:t>Configuring Implicit Flow in Azure AD</a:t>
-            </a:r>
-          </a:p>
-        </p:txBody>
-      </p:sp>
-      <p:sp>
-        <p:nvSpPr>
-          <p:cNvPr id="3" name="Content Placeholder 2"/>
-          <p:cNvSpPr>
-            <a:spLocks noGrp="1"/>
-          </p:cNvSpPr>
-          <p:nvPr>
-            <p:ph idx="1"/>
-          </p:nvPr>
-        </p:nvSpPr>
-        <p:spPr/>
-        <p:txBody>
-          <a:bodyPr>
-            <a:normAutofit/>
-          </a:bodyPr>
-          <a:lstStyle/>
-          <a:p>
-            <a:pPr>
-              <a:defRPr/>
-            </a:pPr>
-            <a:r>
-              <a:rPr lang="en-US" sz="2400" dirty="0"/>
-              <a:t>Requires configuring AD application in Azure AD</a:t>
-            </a:r>
-          </a:p>
-          <a:p>
-            <a:pPr lvl="1">
-              <a:defRPr/>
-            </a:pPr>
-            <a:r>
-              <a:rPr lang="en-US" sz="1800" dirty="0"/>
-              <a:t>Download manifest from Azure AD</a:t>
-            </a:r>
-          </a:p>
-          <a:p>
-            <a:pPr lvl="1">
-              <a:defRPr/>
-            </a:pPr>
-            <a:r>
-              <a:rPr lang="en-US" sz="1800" dirty="0"/>
-              <a:t>Update </a:t>
-            </a:r>
-            <a:r>
-              <a:rPr lang="en-US" sz="1800" b="1" dirty="0"/>
-              <a:t>oauth2AllowImplicitFlow</a:t>
-            </a:r>
-            <a:r>
-              <a:rPr lang="en-US" sz="1800" dirty="0"/>
-              <a:t> setting equal to </a:t>
-            </a:r>
-            <a:r>
-              <a:rPr lang="en-US" sz="1800" b="1" dirty="0"/>
-              <a:t>true</a:t>
-            </a:r>
-          </a:p>
-          <a:p>
-            <a:pPr lvl="1">
-              <a:defRPr/>
-            </a:pPr>
-            <a:r>
-              <a:rPr lang="en-US" sz="1800" dirty="0"/>
-              <a:t>Upload manifest to Azure AD to save changes</a:t>
-            </a:r>
-          </a:p>
-        </p:txBody>
-      </p:sp>
-      <p:grpSp>
-        <p:nvGrpSpPr>
-          <p:cNvPr id="38916" name="Group 6"/>
-          <p:cNvGrpSpPr>
-            <a:grpSpLocks/>
-          </p:cNvGrpSpPr>
-          <p:nvPr/>
-        </p:nvGrpSpPr>
-        <p:grpSpPr bwMode="auto">
-          <a:xfrm>
-            <a:off x="1362076" y="3349625"/>
-            <a:ext cx="5514975" cy="2522538"/>
-            <a:chOff x="457200" y="2895600"/>
-            <a:chExt cx="8395826" cy="3841072"/>
-          </a:xfrm>
-        </p:grpSpPr>
-        <p:pic>
-          <p:nvPicPr>
-            <p:cNvPr id="4" name="Picture 3"/>
-            <p:cNvPicPr>
-              <a:picLocks noChangeAspect="1"/>
-            </p:cNvPicPr>
-            <p:nvPr/>
-          </p:nvPicPr>
-          <p:blipFill>
-            <a:blip r:embed="rId2"/>
-            <a:stretch>
-              <a:fillRect/>
-            </a:stretch>
-          </p:blipFill>
-          <p:spPr>
-            <a:xfrm>
-              <a:off x="824548" y="2895600"/>
-              <a:ext cx="8028478" cy="3841072"/>
-            </a:xfrm>
-            <a:prstGeom prst="rect">
-              <a:avLst/>
-            </a:prstGeom>
-            <a:ln>
-              <a:solidFill>
-                <a:schemeClr val="bg1">
-                  <a:lumMod val="50000"/>
-                </a:schemeClr>
-              </a:solidFill>
-            </a:ln>
-          </p:spPr>
-        </p:pic>
-        <p:sp>
-          <p:nvSpPr>
-            <p:cNvPr id="5" name="Rounded Rectangle 4"/>
-            <p:cNvSpPr/>
-            <p:nvPr/>
-          </p:nvSpPr>
-          <p:spPr>
-            <a:xfrm>
-              <a:off x="1755001" y="6040493"/>
-              <a:ext cx="3733894" cy="381932"/>
-            </a:xfrm>
-            <a:prstGeom prst="roundRect">
-              <a:avLst/>
-            </a:prstGeom>
-            <a:noFill/>
-            <a:ln w="57150">
-              <a:solidFill>
-                <a:srgbClr val="C00000"/>
-              </a:solidFill>
-              <a:prstDash val="sysDot"/>
-            </a:ln>
-          </p:spPr>
-          <p:style>
-            <a:lnRef idx="2">
-              <a:schemeClr val="accent1">
-                <a:shade val="50000"/>
-              </a:schemeClr>
-            </a:lnRef>
-            <a:fillRef idx="1">
-              <a:schemeClr val="accent1"/>
-            </a:fillRef>
-            <a:effectRef idx="0">
-              <a:schemeClr val="accent1"/>
-            </a:effectRef>
-            <a:fontRef idx="minor">
-              <a:schemeClr val="lt1"/>
-            </a:fontRef>
-          </p:style>
-          <p:txBody>
-            <a:bodyPr anchor="ctr"/>
-            <a:lstStyle/>
-            <a:p>
-              <a:pPr algn="ctr">
-                <a:defRPr/>
-              </a:pPr>
-              <a:endParaRPr lang="en-US"/>
-            </a:p>
-          </p:txBody>
-        </p:sp>
-        <p:sp>
-          <p:nvSpPr>
-            <p:cNvPr id="6" name="Right Arrow 5"/>
-            <p:cNvSpPr/>
-            <p:nvPr/>
-          </p:nvSpPr>
-          <p:spPr>
-            <a:xfrm>
-              <a:off x="457200" y="5955887"/>
-              <a:ext cx="1176963" cy="563229"/>
-            </a:xfrm>
-            <a:prstGeom prst="rightArrow">
-              <a:avLst/>
-            </a:prstGeom>
-          </p:spPr>
-          <p:style>
-            <a:lnRef idx="2">
-              <a:schemeClr val="accent1">
-                <a:shade val="50000"/>
-              </a:schemeClr>
-            </a:lnRef>
-            <a:fillRef idx="1">
-              <a:schemeClr val="accent1"/>
-            </a:fillRef>
-            <a:effectRef idx="0">
-              <a:schemeClr val="accent1"/>
-            </a:effectRef>
-            <a:fontRef idx="minor">
-              <a:schemeClr val="lt1"/>
-            </a:fontRef>
-          </p:style>
-          <p:txBody>
-            <a:bodyPr anchor="ctr"/>
-            <a:lstStyle/>
-            <a:p>
-              <a:pPr algn="ctr">
-                <a:defRPr/>
-              </a:pPr>
-              <a:endParaRPr lang="en-US"/>
-            </a:p>
-          </p:txBody>
-        </p:sp>
-      </p:grpSp>
-    </p:spTree>
-    <p:extLst>
-      <p:ext uri="{BB962C8B-B14F-4D97-AF65-F5344CB8AC3E}">
-        <p14:creationId xmlns:p14="http://schemas.microsoft.com/office/powerpoint/2010/main" val="1649452490"/>
-      </p:ext>
-    </p:extLst>
-  </p:cSld>
-  <p:clrMapOvr>
-    <a:masterClrMapping/>
-  </p:clrMapOvr>
 </p:sld>
 </file>
 
@@ -18131,6 +17727,409 @@
       </p:grpSpPr>
       <p:sp>
         <p:nvSpPr>
+          <p:cNvPr id="37890" name="Title 1"/>
+          <p:cNvSpPr>
+            <a:spLocks noGrp="1"/>
+          </p:cNvSpPr>
+          <p:nvPr>
+            <p:ph type="title"/>
+          </p:nvPr>
+        </p:nvSpPr>
+        <p:spPr/>
+        <p:txBody>
+          <a:bodyPr/>
+          <a:lstStyle/>
+          <a:p>
+            <a:r>
+              <a:rPr lang="en-US" altLang="en-US" sz="3200" dirty="0"/>
+              <a:t>Understanding Implicit Grant Flow</a:t>
+            </a:r>
+          </a:p>
+        </p:txBody>
+      </p:sp>
+      <p:sp>
+        <p:nvSpPr>
+          <p:cNvPr id="3" name="Content Placeholder 2"/>
+          <p:cNvSpPr>
+            <a:spLocks noGrp="1"/>
+          </p:cNvSpPr>
+          <p:nvPr>
+            <p:ph idx="1"/>
+          </p:nvPr>
+        </p:nvSpPr>
+        <p:spPr/>
+        <p:txBody>
+          <a:bodyPr/>
+          <a:lstStyle/>
+          <a:p>
+            <a:pPr>
+              <a:defRPr/>
+            </a:pPr>
+            <a:r>
+              <a:rPr lang="en-US" sz="2400" dirty="0"/>
+              <a:t>Implicit Grant Flow</a:t>
+            </a:r>
+          </a:p>
+          <a:p>
+            <a:pPr lvl="1">
+              <a:defRPr/>
+            </a:pPr>
+            <a:r>
+              <a:rPr lang="en-US" sz="2000" dirty="0"/>
+              <a:t>Used when client cannot keep secrets (public client)</a:t>
+            </a:r>
+          </a:p>
+          <a:p>
+            <a:pPr lvl="1">
+              <a:defRPr/>
+            </a:pPr>
+            <a:r>
+              <a:rPr lang="en-US" sz="2000" dirty="0"/>
+              <a:t>Used with SPAs built using JavaScript and AngularJS</a:t>
+            </a:r>
+          </a:p>
+          <a:p>
+            <a:pPr lvl="1">
+              <a:defRPr/>
+            </a:pPr>
+            <a:r>
+              <a:rPr lang="en-US" sz="2000" dirty="0"/>
+              <a:t>Less secure than Authentication Code Grant</a:t>
+            </a:r>
+          </a:p>
+          <a:p>
+            <a:pPr lvl="1">
+              <a:defRPr/>
+            </a:pPr>
+            <a:endParaRPr lang="en-US" sz="2000" dirty="0"/>
+          </a:p>
+          <a:p>
+            <a:pPr>
+              <a:defRPr/>
+            </a:pPr>
+            <a:r>
+              <a:rPr lang="en-US" sz="2400" dirty="0"/>
+              <a:t>How does it work?</a:t>
+            </a:r>
+          </a:p>
+          <a:p>
+            <a:pPr lvl="1">
+              <a:defRPr/>
+            </a:pPr>
+            <a:r>
+              <a:rPr lang="en-US" sz="2000" dirty="0"/>
+              <a:t>Client authorizes user with AD authorization endpoint</a:t>
+            </a:r>
+          </a:p>
+          <a:p>
+            <a:pPr lvl="1">
+              <a:defRPr/>
+            </a:pPr>
+            <a:r>
+              <a:rPr lang="en-US" sz="2000" dirty="0"/>
+              <a:t>AD returns access token directly to SPA in browser</a:t>
+            </a:r>
+          </a:p>
+          <a:p>
+            <a:pPr lvl="1">
+              <a:defRPr/>
+            </a:pPr>
+            <a:r>
+              <a:rPr lang="en-US" sz="2000" dirty="0"/>
+              <a:t>Authentication flow does not involve authorization code</a:t>
+            </a:r>
+          </a:p>
+        </p:txBody>
+      </p:sp>
+    </p:spTree>
+    <p:extLst>
+      <p:ext uri="{BB962C8B-B14F-4D97-AF65-F5344CB8AC3E}">
+        <p14:creationId xmlns:p14="http://schemas.microsoft.com/office/powerpoint/2010/main" val="351282219"/>
+      </p:ext>
+    </p:extLst>
+  </p:cSld>
+  <p:clrMapOvr>
+    <a:masterClrMapping/>
+  </p:clrMapOvr>
+</p:sld>
+</file>
+
+<file path=ppt/slides/slide41.xml><?xml version="1.0" encoding="utf-8"?>
+<p:sld xmlns:a="http://schemas.openxmlformats.org/drawingml/2006/main" xmlns:r="http://schemas.openxmlformats.org/officeDocument/2006/relationships" xmlns:p="http://schemas.openxmlformats.org/presentationml/2006/main">
+  <p:cSld>
+    <p:spTree>
+      <p:nvGrpSpPr>
+        <p:cNvPr id="1" name=""/>
+        <p:cNvGrpSpPr/>
+        <p:nvPr/>
+      </p:nvGrpSpPr>
+      <p:grpSpPr>
+        <a:xfrm>
+          <a:off x="0" y="0"/>
+          <a:ext cx="0" cy="0"/>
+          <a:chOff x="0" y="0"/>
+          <a:chExt cx="0" cy="0"/>
+        </a:xfrm>
+      </p:grpSpPr>
+      <p:sp>
+        <p:nvSpPr>
+          <p:cNvPr id="38914" name="Title 1"/>
+          <p:cNvSpPr>
+            <a:spLocks noGrp="1"/>
+          </p:cNvSpPr>
+          <p:nvPr>
+            <p:ph type="title"/>
+          </p:nvPr>
+        </p:nvSpPr>
+        <p:spPr/>
+        <p:txBody>
+          <a:bodyPr/>
+          <a:lstStyle/>
+          <a:p>
+            <a:r>
+              <a:rPr lang="en-US" altLang="en-US" sz="3200"/>
+              <a:t>Configuring Implicit Flow in Azure AD</a:t>
+            </a:r>
+          </a:p>
+        </p:txBody>
+      </p:sp>
+      <p:sp>
+        <p:nvSpPr>
+          <p:cNvPr id="3" name="Content Placeholder 2"/>
+          <p:cNvSpPr>
+            <a:spLocks noGrp="1"/>
+          </p:cNvSpPr>
+          <p:nvPr>
+            <p:ph idx="1"/>
+          </p:nvPr>
+        </p:nvSpPr>
+        <p:spPr/>
+        <p:txBody>
+          <a:bodyPr>
+            <a:normAutofit/>
+          </a:bodyPr>
+          <a:lstStyle/>
+          <a:p>
+            <a:pPr>
+              <a:defRPr/>
+            </a:pPr>
+            <a:r>
+              <a:rPr lang="en-US" sz="2400" dirty="0"/>
+              <a:t>Requires configuring AD application in Azure AD</a:t>
+            </a:r>
+          </a:p>
+          <a:p>
+            <a:pPr lvl="1">
+              <a:defRPr/>
+            </a:pPr>
+            <a:r>
+              <a:rPr lang="en-US" sz="1800" dirty="0"/>
+              <a:t>Download manifest from Azure AD</a:t>
+            </a:r>
+          </a:p>
+          <a:p>
+            <a:pPr lvl="1">
+              <a:defRPr/>
+            </a:pPr>
+            <a:r>
+              <a:rPr lang="en-US" sz="1800" dirty="0"/>
+              <a:t>Update </a:t>
+            </a:r>
+            <a:r>
+              <a:rPr lang="en-US" sz="1800" b="1" dirty="0"/>
+              <a:t>oauth2AllowImplicitFlow</a:t>
+            </a:r>
+            <a:r>
+              <a:rPr lang="en-US" sz="1800" dirty="0"/>
+              <a:t> setting equal to </a:t>
+            </a:r>
+            <a:r>
+              <a:rPr lang="en-US" sz="1800" b="1" dirty="0"/>
+              <a:t>true</a:t>
+            </a:r>
+          </a:p>
+          <a:p>
+            <a:pPr lvl="1">
+              <a:defRPr/>
+            </a:pPr>
+            <a:r>
+              <a:rPr lang="en-US" sz="1800" dirty="0"/>
+              <a:t>Upload manifest to Azure AD to save changes</a:t>
+            </a:r>
+          </a:p>
+        </p:txBody>
+      </p:sp>
+      <p:grpSp>
+        <p:nvGrpSpPr>
+          <p:cNvPr id="38916" name="Group 6"/>
+          <p:cNvGrpSpPr>
+            <a:grpSpLocks/>
+          </p:cNvGrpSpPr>
+          <p:nvPr/>
+        </p:nvGrpSpPr>
+        <p:grpSpPr bwMode="auto">
+          <a:xfrm>
+            <a:off x="1362076" y="3349625"/>
+            <a:ext cx="5514975" cy="2522538"/>
+            <a:chOff x="457200" y="2895600"/>
+            <a:chExt cx="8395826" cy="3841072"/>
+          </a:xfrm>
+        </p:grpSpPr>
+        <p:pic>
+          <p:nvPicPr>
+            <p:cNvPr id="4" name="Picture 3"/>
+            <p:cNvPicPr>
+              <a:picLocks noChangeAspect="1"/>
+            </p:cNvPicPr>
+            <p:nvPr/>
+          </p:nvPicPr>
+          <p:blipFill>
+            <a:blip r:embed="rId2"/>
+            <a:stretch>
+              <a:fillRect/>
+            </a:stretch>
+          </p:blipFill>
+          <p:spPr>
+            <a:xfrm>
+              <a:off x="824548" y="2895600"/>
+              <a:ext cx="8028478" cy="3841072"/>
+            </a:xfrm>
+            <a:prstGeom prst="rect">
+              <a:avLst/>
+            </a:prstGeom>
+            <a:ln>
+              <a:solidFill>
+                <a:schemeClr val="bg1">
+                  <a:lumMod val="50000"/>
+                </a:schemeClr>
+              </a:solidFill>
+            </a:ln>
+          </p:spPr>
+        </p:pic>
+        <p:sp>
+          <p:nvSpPr>
+            <p:cNvPr id="5" name="Rounded Rectangle 4"/>
+            <p:cNvSpPr/>
+            <p:nvPr/>
+          </p:nvSpPr>
+          <p:spPr>
+            <a:xfrm>
+              <a:off x="1755001" y="6040493"/>
+              <a:ext cx="3733894" cy="381932"/>
+            </a:xfrm>
+            <a:prstGeom prst="roundRect">
+              <a:avLst/>
+            </a:prstGeom>
+            <a:noFill/>
+            <a:ln w="57150">
+              <a:solidFill>
+                <a:srgbClr val="C00000"/>
+              </a:solidFill>
+              <a:prstDash val="sysDot"/>
+            </a:ln>
+          </p:spPr>
+          <p:style>
+            <a:lnRef idx="2">
+              <a:schemeClr val="accent1">
+                <a:shade val="50000"/>
+              </a:schemeClr>
+            </a:lnRef>
+            <a:fillRef idx="1">
+              <a:schemeClr val="accent1"/>
+            </a:fillRef>
+            <a:effectRef idx="0">
+              <a:schemeClr val="accent1"/>
+            </a:effectRef>
+            <a:fontRef idx="minor">
+              <a:schemeClr val="lt1"/>
+            </a:fontRef>
+          </p:style>
+          <p:txBody>
+            <a:bodyPr anchor="ctr"/>
+            <a:lstStyle/>
+            <a:p>
+              <a:pPr algn="ctr">
+                <a:defRPr/>
+              </a:pPr>
+              <a:endParaRPr lang="en-US"/>
+            </a:p>
+          </p:txBody>
+        </p:sp>
+        <p:sp>
+          <p:nvSpPr>
+            <p:cNvPr id="6" name="Right Arrow 5"/>
+            <p:cNvSpPr/>
+            <p:nvPr/>
+          </p:nvSpPr>
+          <p:spPr>
+            <a:xfrm>
+              <a:off x="457200" y="5955887"/>
+              <a:ext cx="1176963" cy="563229"/>
+            </a:xfrm>
+            <a:prstGeom prst="rightArrow">
+              <a:avLst/>
+            </a:prstGeom>
+          </p:spPr>
+          <p:style>
+            <a:lnRef idx="2">
+              <a:schemeClr val="accent1">
+                <a:shade val="50000"/>
+              </a:schemeClr>
+            </a:lnRef>
+            <a:fillRef idx="1">
+              <a:schemeClr val="accent1"/>
+            </a:fillRef>
+            <a:effectRef idx="0">
+              <a:schemeClr val="accent1"/>
+            </a:effectRef>
+            <a:fontRef idx="minor">
+              <a:schemeClr val="lt1"/>
+            </a:fontRef>
+          </p:style>
+          <p:txBody>
+            <a:bodyPr anchor="ctr"/>
+            <a:lstStyle/>
+            <a:p>
+              <a:pPr algn="ctr">
+                <a:defRPr/>
+              </a:pPr>
+              <a:endParaRPr lang="en-US"/>
+            </a:p>
+          </p:txBody>
+        </p:sp>
+      </p:grpSp>
+    </p:spTree>
+    <p:extLst>
+      <p:ext uri="{BB962C8B-B14F-4D97-AF65-F5344CB8AC3E}">
+        <p14:creationId xmlns:p14="http://schemas.microsoft.com/office/powerpoint/2010/main" val="1649452490"/>
+      </p:ext>
+    </p:extLst>
+  </p:cSld>
+  <p:clrMapOvr>
+    <a:masterClrMapping/>
+  </p:clrMapOvr>
+</p:sld>
+</file>
+
+<file path=ppt/slides/slide42.xml><?xml version="1.0" encoding="utf-8"?>
+<p:sld xmlns:a="http://schemas.openxmlformats.org/drawingml/2006/main" xmlns:r="http://schemas.openxmlformats.org/officeDocument/2006/relationships" xmlns:p="http://schemas.openxmlformats.org/presentationml/2006/main">
+  <p:cSld>
+    <p:spTree>
+      <p:nvGrpSpPr>
+        <p:cNvPr id="1" name=""/>
+        <p:cNvGrpSpPr/>
+        <p:nvPr/>
+      </p:nvGrpSpPr>
+      <p:grpSpPr>
+        <a:xfrm>
+          <a:off x="0" y="0"/>
+          <a:ext cx="0" cy="0"/>
+          <a:chOff x="0" y="0"/>
+          <a:chExt cx="0" cy="0"/>
+        </a:xfrm>
+      </p:grpSpPr>
+      <p:sp>
+        <p:nvSpPr>
           <p:cNvPr id="39938" name="Title 1"/>
           <p:cNvSpPr>
             <a:spLocks noGrp="1"/>
@@ -18331,7 +18330,7 @@
 </p:sld>
 </file>
 
-<file path=ppt/slides/slide41.xml><?xml version="1.0" encoding="utf-8"?>
+<file path=ppt/slides/slide43.xml><?xml version="1.0" encoding="utf-8"?>
 <p:sld xmlns:a="http://schemas.openxmlformats.org/drawingml/2006/main" xmlns:r="http://schemas.openxmlformats.org/officeDocument/2006/relationships" xmlns:p="http://schemas.openxmlformats.org/presentationml/2006/main">
   <p:cSld>
     <p:spTree>
@@ -18636,7 +18635,7 @@
 </p:sld>
 </file>
 
-<file path=ppt/slides/slide42.xml><?xml version="1.0" encoding="utf-8"?>
+<file path=ppt/slides/slide44.xml><?xml version="1.0" encoding="utf-8"?>
 <p:sld xmlns:a="http://schemas.openxmlformats.org/drawingml/2006/main" xmlns:r="http://schemas.openxmlformats.org/officeDocument/2006/relationships" xmlns:p="http://schemas.openxmlformats.org/presentationml/2006/main">
   <p:cSld>
     <p:spTree>
@@ -18940,7 +18939,7 @@
 </p:sld>
 </file>
 
-<file path=ppt/slides/slide43.xml><?xml version="1.0" encoding="utf-8"?>
+<file path=ppt/slides/slide45.xml><?xml version="1.0" encoding="utf-8"?>
 <p:sld xmlns:a="http://schemas.openxmlformats.org/drawingml/2006/main" xmlns:r="http://schemas.openxmlformats.org/officeDocument/2006/relationships" xmlns:p="http://schemas.openxmlformats.org/presentationml/2006/main">
   <p:cSld>
     <p:spTree>
@@ -19129,166 +19128,6 @@
 </p:sld>
 </file>
 
-<file path=ppt/slides/slide44.xml><?xml version="1.0" encoding="utf-8"?>
-<p:sld xmlns:a="http://schemas.openxmlformats.org/drawingml/2006/main" xmlns:r="http://schemas.openxmlformats.org/officeDocument/2006/relationships" xmlns:p="http://schemas.openxmlformats.org/presentationml/2006/main">
-  <p:cSld>
-    <p:spTree>
-      <p:nvGrpSpPr>
-        <p:cNvPr id="1" name=""/>
-        <p:cNvGrpSpPr/>
-        <p:nvPr/>
-      </p:nvGrpSpPr>
-      <p:grpSpPr>
-        <a:xfrm>
-          <a:off x="0" y="0"/>
-          <a:ext cx="0" cy="0"/>
-          <a:chOff x="0" y="0"/>
-          <a:chExt cx="0" cy="0"/>
-        </a:xfrm>
-      </p:grpSpPr>
-      <p:sp>
-        <p:nvSpPr>
-          <p:cNvPr id="13314" name="Title 1"/>
-          <p:cNvSpPr>
-            <a:spLocks noGrp="1"/>
-          </p:cNvSpPr>
-          <p:nvPr>
-            <p:ph type="title"/>
-          </p:nvPr>
-        </p:nvSpPr>
-        <p:spPr/>
-        <p:txBody>
-          <a:bodyPr/>
-          <a:lstStyle/>
-          <a:p>
-            <a:r>
-              <a:rPr lang="en-US" altLang="en-US"/>
-              <a:t>Agenda</a:t>
-            </a:r>
-          </a:p>
-        </p:txBody>
-      </p:sp>
-      <p:sp>
-        <p:nvSpPr>
-          <p:cNvPr id="13315" name="Content Placeholder 2"/>
-          <p:cNvSpPr>
-            <a:spLocks noGrp="1"/>
-          </p:cNvSpPr>
-          <p:nvPr>
-            <p:ph idx="1"/>
-          </p:nvPr>
-        </p:nvSpPr>
-        <p:spPr/>
-        <p:txBody>
-          <a:bodyPr/>
-          <a:lstStyle/>
-          <a:p>
-            <a:pPr>
-              <a:buFont typeface="Wingdings" panose="05000000000000000000" pitchFamily="2" charset="2"/>
-              <a:buChar char="ü"/>
-            </a:pPr>
-            <a:r>
-              <a:rPr lang="en-US" altLang="en-US" dirty="0"/>
-              <a:t>Getting Started with the Power BI REST API</a:t>
-            </a:r>
-          </a:p>
-          <a:p>
-            <a:pPr>
-              <a:buFont typeface="Wingdings" panose="05000000000000000000" pitchFamily="2" charset="2"/>
-              <a:buChar char="ü"/>
-            </a:pPr>
-            <a:r>
-              <a:rPr lang="en-US" altLang="en-US" dirty="0"/>
-              <a:t>Creating a Real-time Dashboard</a:t>
-            </a:r>
-          </a:p>
-          <a:p>
-            <a:pPr>
-              <a:buFont typeface="Wingdings" panose="05000000000000000000" pitchFamily="2" charset="2"/>
-              <a:buChar char="ü"/>
-            </a:pPr>
-            <a:r>
-              <a:rPr lang="en-US" altLang="en-US" dirty="0"/>
-              <a:t>Creating an SPA for Power BI using Angular.js </a:t>
-            </a:r>
-          </a:p>
-          <a:p>
-            <a:pPr>
-              <a:buFont typeface="Wingdings" panose="05000000000000000000" pitchFamily="2" charset="2"/>
-              <a:buChar char="Ø"/>
-            </a:pPr>
-            <a:r>
-              <a:rPr lang="en-US" altLang="en-US" dirty="0"/>
-              <a:t>Embedding Reports and Dashboard Tiles</a:t>
-            </a:r>
-          </a:p>
-        </p:txBody>
-      </p:sp>
-    </p:spTree>
-    <p:extLst>
-      <p:ext uri="{BB962C8B-B14F-4D97-AF65-F5344CB8AC3E}">
-        <p14:creationId xmlns:p14="http://schemas.microsoft.com/office/powerpoint/2010/main" val="3506790894"/>
-      </p:ext>
-    </p:extLst>
-  </p:cSld>
-  <p:clrMapOvr>
-    <a:masterClrMapping/>
-  </p:clrMapOvr>
-</p:sld>
-</file>
-
-<file path=ppt/slides/slide45.xml><?xml version="1.0" encoding="utf-8"?>
-<p:sld xmlns:a="http://schemas.openxmlformats.org/drawingml/2006/main" xmlns:r="http://schemas.openxmlformats.org/officeDocument/2006/relationships" xmlns:p="http://schemas.openxmlformats.org/presentationml/2006/main">
-  <p:cSld>
-    <p:spTree>
-      <p:nvGrpSpPr>
-        <p:cNvPr id="1" name=""/>
-        <p:cNvGrpSpPr/>
-        <p:nvPr/>
-      </p:nvGrpSpPr>
-      <p:grpSpPr>
-        <a:xfrm>
-          <a:off x="0" y="0"/>
-          <a:ext cx="0" cy="0"/>
-          <a:chOff x="0" y="0"/>
-          <a:chExt cx="0" cy="0"/>
-        </a:xfrm>
-      </p:grpSpPr>
-      <p:sp>
-        <p:nvSpPr>
-          <p:cNvPr id="2" name="Title 1"/>
-          <p:cNvSpPr>
-            <a:spLocks noGrp="1"/>
-          </p:cNvSpPr>
-          <p:nvPr>
-            <p:ph type="title"/>
-          </p:nvPr>
-        </p:nvSpPr>
-        <p:spPr/>
-        <p:txBody>
-          <a:bodyPr/>
-          <a:lstStyle/>
-          <a:p>
-            <a:r>
-              <a:rPr lang="en-US" dirty="0"/>
-              <a:t>Embedding Power BI Reports</a:t>
-            </a:r>
-          </a:p>
-        </p:txBody>
-      </p:sp>
-    </p:spTree>
-    <p:extLst>
-      <p:ext uri="{BB962C8B-B14F-4D97-AF65-F5344CB8AC3E}">
-        <p14:creationId xmlns:p14="http://schemas.microsoft.com/office/powerpoint/2010/main" val="1141780271"/>
-      </p:ext>
-    </p:extLst>
-  </p:cSld>
-  <p:clrMapOvr>
-    <a:masterClrMapping/>
-  </p:clrMapOvr>
-</p:sld>
-</file>
-
 <file path=ppt/slides/slide46.xml><?xml version="1.0" encoding="utf-8"?>
 <p:sld xmlns:a="http://schemas.openxmlformats.org/drawingml/2006/main" xmlns:r="http://schemas.openxmlformats.org/officeDocument/2006/relationships" xmlns:p="http://schemas.openxmlformats.org/presentationml/2006/main">
   <p:cSld>
@@ -19322,8 +19161,8 @@
           <a:lstStyle/>
           <a:p>
             <a:r>
-              <a:rPr lang="en-US" altLang="en-US" dirty="0"/>
-              <a:t>Summary</a:t>
+              <a:rPr lang="en-US" altLang="en-US"/>
+              <a:t>Agenda</a:t>
             </a:r>
           </a:p>
         </p:txBody>
@@ -19375,6 +19214,166 @@
           <a:p>
             <a:pPr>
               <a:buFont typeface="Wingdings" panose="05000000000000000000" pitchFamily="2" charset="2"/>
+              <a:buChar char="Ø"/>
+            </a:pPr>
+            <a:r>
+              <a:rPr lang="en-US" altLang="en-US" dirty="0"/>
+              <a:t>Embedding Reports and Dashboard Tiles</a:t>
+            </a:r>
+          </a:p>
+        </p:txBody>
+      </p:sp>
+    </p:spTree>
+    <p:extLst>
+      <p:ext uri="{BB962C8B-B14F-4D97-AF65-F5344CB8AC3E}">
+        <p14:creationId xmlns:p14="http://schemas.microsoft.com/office/powerpoint/2010/main" val="3506790894"/>
+      </p:ext>
+    </p:extLst>
+  </p:cSld>
+  <p:clrMapOvr>
+    <a:masterClrMapping/>
+  </p:clrMapOvr>
+</p:sld>
+</file>
+
+<file path=ppt/slides/slide47.xml><?xml version="1.0" encoding="utf-8"?>
+<p:sld xmlns:a="http://schemas.openxmlformats.org/drawingml/2006/main" xmlns:r="http://schemas.openxmlformats.org/officeDocument/2006/relationships" xmlns:p="http://schemas.openxmlformats.org/presentationml/2006/main">
+  <p:cSld>
+    <p:spTree>
+      <p:nvGrpSpPr>
+        <p:cNvPr id="1" name=""/>
+        <p:cNvGrpSpPr/>
+        <p:nvPr/>
+      </p:nvGrpSpPr>
+      <p:grpSpPr>
+        <a:xfrm>
+          <a:off x="0" y="0"/>
+          <a:ext cx="0" cy="0"/>
+          <a:chOff x="0" y="0"/>
+          <a:chExt cx="0" cy="0"/>
+        </a:xfrm>
+      </p:grpSpPr>
+      <p:sp>
+        <p:nvSpPr>
+          <p:cNvPr id="2" name="Title 1"/>
+          <p:cNvSpPr>
+            <a:spLocks noGrp="1"/>
+          </p:cNvSpPr>
+          <p:nvPr>
+            <p:ph type="title"/>
+          </p:nvPr>
+        </p:nvSpPr>
+        <p:spPr/>
+        <p:txBody>
+          <a:bodyPr/>
+          <a:lstStyle/>
+          <a:p>
+            <a:r>
+              <a:rPr lang="en-US" dirty="0"/>
+              <a:t>Embedding Power BI Reports</a:t>
+            </a:r>
+          </a:p>
+        </p:txBody>
+      </p:sp>
+    </p:spTree>
+    <p:extLst>
+      <p:ext uri="{BB962C8B-B14F-4D97-AF65-F5344CB8AC3E}">
+        <p14:creationId xmlns:p14="http://schemas.microsoft.com/office/powerpoint/2010/main" val="1141780271"/>
+      </p:ext>
+    </p:extLst>
+  </p:cSld>
+  <p:clrMapOvr>
+    <a:masterClrMapping/>
+  </p:clrMapOvr>
+</p:sld>
+</file>
+
+<file path=ppt/slides/slide48.xml><?xml version="1.0" encoding="utf-8"?>
+<p:sld xmlns:a="http://schemas.openxmlformats.org/drawingml/2006/main" xmlns:r="http://schemas.openxmlformats.org/officeDocument/2006/relationships" xmlns:p="http://schemas.openxmlformats.org/presentationml/2006/main">
+  <p:cSld>
+    <p:spTree>
+      <p:nvGrpSpPr>
+        <p:cNvPr id="1" name=""/>
+        <p:cNvGrpSpPr/>
+        <p:nvPr/>
+      </p:nvGrpSpPr>
+      <p:grpSpPr>
+        <a:xfrm>
+          <a:off x="0" y="0"/>
+          <a:ext cx="0" cy="0"/>
+          <a:chOff x="0" y="0"/>
+          <a:chExt cx="0" cy="0"/>
+        </a:xfrm>
+      </p:grpSpPr>
+      <p:sp>
+        <p:nvSpPr>
+          <p:cNvPr id="13314" name="Title 1"/>
+          <p:cNvSpPr>
+            <a:spLocks noGrp="1"/>
+          </p:cNvSpPr>
+          <p:nvPr>
+            <p:ph type="title"/>
+          </p:nvPr>
+        </p:nvSpPr>
+        <p:spPr/>
+        <p:txBody>
+          <a:bodyPr/>
+          <a:lstStyle/>
+          <a:p>
+            <a:r>
+              <a:rPr lang="en-US" altLang="en-US" dirty="0"/>
+              <a:t>Summary</a:t>
+            </a:r>
+          </a:p>
+        </p:txBody>
+      </p:sp>
+      <p:sp>
+        <p:nvSpPr>
+          <p:cNvPr id="13315" name="Content Placeholder 2"/>
+          <p:cNvSpPr>
+            <a:spLocks noGrp="1"/>
+          </p:cNvSpPr>
+          <p:nvPr>
+            <p:ph idx="1"/>
+          </p:nvPr>
+        </p:nvSpPr>
+        <p:spPr/>
+        <p:txBody>
+          <a:bodyPr/>
+          <a:lstStyle/>
+          <a:p>
+            <a:pPr>
+              <a:buFont typeface="Wingdings" panose="05000000000000000000" pitchFamily="2" charset="2"/>
+              <a:buChar char="ü"/>
+            </a:pPr>
+            <a:r>
+              <a:rPr lang="en-US" altLang="en-US" dirty="0"/>
+              <a:t>Getting Started with the Power BI REST API</a:t>
+            </a:r>
+          </a:p>
+          <a:p>
+            <a:pPr>
+              <a:buFont typeface="Wingdings" panose="05000000000000000000" pitchFamily="2" charset="2"/>
+              <a:buChar char="ü"/>
+            </a:pPr>
+            <a:r>
+              <a:rPr lang="en-US" altLang="en-US" dirty="0"/>
+              <a:t>Creating a Real-time Dashboard</a:t>
+            </a:r>
+          </a:p>
+          <a:p>
+            <a:pPr>
+              <a:buFont typeface="Wingdings" panose="05000000000000000000" pitchFamily="2" charset="2"/>
+              <a:buChar char="ü"/>
+            </a:pPr>
+            <a:r>
+              <a:rPr lang="en-US" altLang="en-US" dirty="0"/>
+              <a:t>Creating an SPA for Power BI using Angular.js </a:t>
+            </a:r>
+          </a:p>
+          <a:p>
+            <a:pPr>
+              <a:buFont typeface="Wingdings" panose="05000000000000000000" pitchFamily="2" charset="2"/>
               <a:buChar char="ü"/>
             </a:pPr>
             <a:r>
@@ -19397,7 +19396,7 @@
 </p:sld>
 </file>
 
-<file path=ppt/slides/slide47.xml><?xml version="1.0" encoding="utf-8"?>
+<file path=ppt/slides/slide49.xml><?xml version="1.0" encoding="utf-8"?>
 <p:sld xmlns:a="http://schemas.openxmlformats.org/drawingml/2006/main" xmlns:r="http://schemas.openxmlformats.org/officeDocument/2006/relationships" xmlns:p="http://schemas.openxmlformats.org/presentationml/2006/main">
   <p:cSld>
     <p:spTree>
@@ -23120,12 +23119,6 @@
 </file>
 
 <file path=customXml/item1.xml><?xml version="1.0" encoding="utf-8"?>
-<p:properties xmlns:p="http://schemas.microsoft.com/office/2006/metadata/properties" xmlns:xsi="http://www.w3.org/2001/XMLSchema-instance">
-  <documentManagement/>
-</p:properties>
-</file>
-
-<file path=customXml/item2.xml><?xml version="1.0" encoding="utf-8"?>
 <?mso-contentType ?>
 <FormTemplates xmlns="http://schemas.microsoft.com/sharepoint/v3/contenttype/forms">
   <Display>DocumentLibraryForm</Display>
@@ -23134,121 +23127,7 @@
 </FormTemplates>
 </file>
 
-<file path=customXml/item3.xml><?xml version="1.0" encoding="utf-8"?>
-<ct:contentTypeSchema xmlns:ct="http://schemas.microsoft.com/office/2006/metadata/contentType" xmlns:ma="http://schemas.microsoft.com/office/2006/metadata/properties/metaAttributes" ct:_="" ma:_="" ma:contentTypeName="Document" ma:contentTypeID="0x01010043F7775CCE86F349BB7C51FB3CE6B150" ma:contentTypeVersion="0" ma:contentTypeDescription="Create a new document." ma:contentTypeScope="" ma:versionID="bb563817a2861b6b5994bd26a2ba9e40">
-  <xsd:schema xmlns:xsd="http://www.w3.org/2001/XMLSchema" xmlns:xs="http://www.w3.org/2001/XMLSchema" xmlns:p="http://schemas.microsoft.com/office/2006/metadata/properties" targetNamespace="http://schemas.microsoft.com/office/2006/metadata/properties" ma:root="true" ma:fieldsID="c64490b4aec6201516c3a874156f37b2">
-    <xsd:element name="properties">
-      <xsd:complexType>
-        <xsd:sequence>
-          <xsd:element name="documentManagement">
-            <xsd:complexType>
-              <xsd:all/>
-            </xsd:complexType>
-          </xsd:element>
-        </xsd:sequence>
-      </xsd:complexType>
-    </xsd:element>
-  </xsd:schema>
-  <xsd:schema xmlns="http://schemas.openxmlformats.org/package/2006/metadata/core-properties" xmlns:xsd="http://www.w3.org/2001/XMLSchema" xmlns:xsi="http://www.w3.org/2001/XMLSchema-instance" xmlns:dc="http://purl.org/dc/elements/1.1/" xmlns:dcterms="http://purl.org/dc/terms/" xmlns:odoc="http://schemas.microsoft.com/internal/obd" targetNamespace="http://schemas.openxmlformats.org/package/2006/metadata/core-properties" elementFormDefault="qualified" attributeFormDefault="unqualified" blockDefault="#all">
-    <xsd:import namespace="http://purl.org/dc/elements/1.1/" schemaLocation="http://dublincore.org/schemas/xmls/qdc/2003/04/02/dc.xsd"/>
-    <xsd:import namespace="http://purl.org/dc/terms/" schemaLocation="http://dublincore.org/schemas/xmls/qdc/2003/04/02/dcterms.xsd"/>
-    <xsd:element name="coreProperties" type="CT_coreProperties"/>
-    <xsd:complexType name="CT_coreProperties">
-      <xsd:all>
-        <xsd:element ref="dc:creator" minOccurs="0" maxOccurs="1"/>
-        <xsd:element ref="dcterms:created" minOccurs="0" maxOccurs="1"/>
-        <xsd:element ref="dc:identifier" minOccurs="0" maxOccurs="1"/>
-        <xsd:element name="contentType" minOccurs="0" maxOccurs="1" type="xsd:string" ma:index="0" ma:displayName="Content Type"/>
-        <xsd:element ref="dc:title" minOccurs="0" maxOccurs="1" ma:index="4" ma:displayName="Title"/>
-        <xsd:element ref="dc:subject" minOccurs="0" maxOccurs="1"/>
-        <xsd:element ref="dc:description" minOccurs="0" maxOccurs="1"/>
-        <xsd:element name="keywords" minOccurs="0" maxOccurs="1" type="xsd:string"/>
-        <xsd:element ref="dc:language" minOccurs="0" maxOccurs="1"/>
-        <xsd:element name="category" minOccurs="0" maxOccurs="1" type="xsd:string"/>
-        <xsd:element name="version" minOccurs="0" maxOccurs="1" type="xsd:string"/>
-        <xsd:element name="revision" minOccurs="0" maxOccurs="1" type="xsd:string">
-          <xsd:annotation>
-            <xsd:documentation>
-                        This value indicates the number of saves or revisions. The application is responsible for updating this value after each revision.
-                    </xsd:documentation>
-          </xsd:annotation>
-        </xsd:element>
-        <xsd:element name="lastModifiedBy" minOccurs="0" maxOccurs="1" type="xsd:string"/>
-        <xsd:element ref="dcterms:modified" minOccurs="0" maxOccurs="1"/>
-        <xsd:element name="contentStatus" minOccurs="0" maxOccurs="1" type="xsd:string"/>
-      </xsd:all>
-    </xsd:complexType>
-  </xsd:schema>
-  <xs:schema xmlns:pc="http://schemas.microsoft.com/office/infopath/2007/PartnerControls" xmlns:xs="http://www.w3.org/2001/XMLSchema" targetNamespace="http://schemas.microsoft.com/office/infopath/2007/PartnerControls" elementFormDefault="qualified" attributeFormDefault="unqualified">
-    <xs:element name="Person">
-      <xs:complexType>
-        <xs:sequence>
-          <xs:element ref="pc:DisplayName" minOccurs="0"/>
-          <xs:element ref="pc:AccountId" minOccurs="0"/>
-          <xs:element ref="pc:AccountType" minOccurs="0"/>
-        </xs:sequence>
-      </xs:complexType>
-    </xs:element>
-    <xs:element name="DisplayName" type="xs:string"/>
-    <xs:element name="AccountId" type="xs:string"/>
-    <xs:element name="AccountType" type="xs:string"/>
-    <xs:element name="BDCAssociatedEntity">
-      <xs:complexType>
-        <xs:sequence>
-          <xs:element ref="pc:BDCEntity" minOccurs="0" maxOccurs="unbounded"/>
-        </xs:sequence>
-        <xs:attribute ref="pc:EntityNamespace"/>
-        <xs:attribute ref="pc:EntityName"/>
-        <xs:attribute ref="pc:SystemInstanceName"/>
-        <xs:attribute ref="pc:AssociationName"/>
-      </xs:complexType>
-    </xs:element>
-    <xs:attribute name="EntityNamespace" type="xs:string"/>
-    <xs:attribute name="EntityName" type="xs:string"/>
-    <xs:attribute name="SystemInstanceName" type="xs:string"/>
-    <xs:attribute name="AssociationName" type="xs:string"/>
-    <xs:element name="BDCEntity">
-      <xs:complexType>
-        <xs:sequence>
-          <xs:element ref="pc:EntityDisplayName" minOccurs="0"/>
-          <xs:element ref="pc:EntityInstanceReference" minOccurs="0"/>
-          <xs:element ref="pc:EntityId1" minOccurs="0"/>
-          <xs:element ref="pc:EntityId2" minOccurs="0"/>
-          <xs:element ref="pc:EntityId3" minOccurs="0"/>
-          <xs:element ref="pc:EntityId4" minOccurs="0"/>
-          <xs:element ref="pc:EntityId5" minOccurs="0"/>
-        </xs:sequence>
-      </xs:complexType>
-    </xs:element>
-    <xs:element name="EntityDisplayName" type="xs:string"/>
-    <xs:element name="EntityInstanceReference" type="xs:string"/>
-    <xs:element name="EntityId1" type="xs:string"/>
-    <xs:element name="EntityId2" type="xs:string"/>
-    <xs:element name="EntityId3" type="xs:string"/>
-    <xs:element name="EntityId4" type="xs:string"/>
-    <xs:element name="EntityId5" type="xs:string"/>
-    <xs:element name="Terms">
-      <xs:complexType>
-        <xs:sequence>
-          <xs:element ref="pc:TermInfo" minOccurs="0" maxOccurs="unbounded"/>
-        </xs:sequence>
-      </xs:complexType>
-    </xs:element>
-    <xs:element name="TermInfo">
-      <xs:complexType>
-        <xs:sequence>
-          <xs:element ref="pc:TermName" minOccurs="0"/>
-          <xs:element ref="pc:TermId" minOccurs="0"/>
-        </xs:sequence>
-      </xs:complexType>
-    </xs:element>
-    <xs:element name="TermName" type="xs:string"/>
-    <xs:element name="TermId" type="xs:string"/>
-  </xs:schema>
-</ct:contentTypeSchema>
-</file>
-
-<file path=customXml/item4.xml><?xml version="1.0" encoding="utf-8"?>
+<file path=customXml/item2.xml><?xml version="1.0" encoding="utf-8"?>
 <outs:outSpaceData xmlns:outs="http://schemas.microsoft.com/office/2009/outspace/metadata">
   <outs:relatedDates>
     <outs:relatedDate>
@@ -23398,25 +23277,138 @@
 </outs:outSpaceData>
 </file>
 
+<file path=customXml/item3.xml><?xml version="1.0" encoding="utf-8"?>
+<ct:contentTypeSchema xmlns:ct="http://schemas.microsoft.com/office/2006/metadata/contentType" xmlns:ma="http://schemas.microsoft.com/office/2006/metadata/properties/metaAttributes" ct:_="" ma:_="" ma:contentTypeName="Document" ma:contentTypeID="0x01010043F7775CCE86F349BB7C51FB3CE6B150" ma:contentTypeVersion="0" ma:contentTypeDescription="Create a new document." ma:contentTypeScope="" ma:versionID="bb563817a2861b6b5994bd26a2ba9e40">
+  <xsd:schema xmlns:xsd="http://www.w3.org/2001/XMLSchema" xmlns:xs="http://www.w3.org/2001/XMLSchema" xmlns:p="http://schemas.microsoft.com/office/2006/metadata/properties" targetNamespace="http://schemas.microsoft.com/office/2006/metadata/properties" ma:root="true" ma:fieldsID="c64490b4aec6201516c3a874156f37b2">
+    <xsd:element name="properties">
+      <xsd:complexType>
+        <xsd:sequence>
+          <xsd:element name="documentManagement">
+            <xsd:complexType>
+              <xsd:all/>
+            </xsd:complexType>
+          </xsd:element>
+        </xsd:sequence>
+      </xsd:complexType>
+    </xsd:element>
+  </xsd:schema>
+  <xsd:schema xmlns="http://schemas.openxmlformats.org/package/2006/metadata/core-properties" xmlns:xsd="http://www.w3.org/2001/XMLSchema" xmlns:xsi="http://www.w3.org/2001/XMLSchema-instance" xmlns:dc="http://purl.org/dc/elements/1.1/" xmlns:dcterms="http://purl.org/dc/terms/" xmlns:odoc="http://schemas.microsoft.com/internal/obd" targetNamespace="http://schemas.openxmlformats.org/package/2006/metadata/core-properties" elementFormDefault="qualified" attributeFormDefault="unqualified" blockDefault="#all">
+    <xsd:import namespace="http://purl.org/dc/elements/1.1/" schemaLocation="http://dublincore.org/schemas/xmls/qdc/2003/04/02/dc.xsd"/>
+    <xsd:import namespace="http://purl.org/dc/terms/" schemaLocation="http://dublincore.org/schemas/xmls/qdc/2003/04/02/dcterms.xsd"/>
+    <xsd:element name="coreProperties" type="CT_coreProperties"/>
+    <xsd:complexType name="CT_coreProperties">
+      <xsd:all>
+        <xsd:element ref="dc:creator" minOccurs="0" maxOccurs="1"/>
+        <xsd:element ref="dcterms:created" minOccurs="0" maxOccurs="1"/>
+        <xsd:element ref="dc:identifier" minOccurs="0" maxOccurs="1"/>
+        <xsd:element name="contentType" minOccurs="0" maxOccurs="1" type="xsd:string" ma:index="0" ma:displayName="Content Type"/>
+        <xsd:element ref="dc:title" minOccurs="0" maxOccurs="1" ma:index="4" ma:displayName="Title"/>
+        <xsd:element ref="dc:subject" minOccurs="0" maxOccurs="1"/>
+        <xsd:element ref="dc:description" minOccurs="0" maxOccurs="1"/>
+        <xsd:element name="keywords" minOccurs="0" maxOccurs="1" type="xsd:string"/>
+        <xsd:element ref="dc:language" minOccurs="0" maxOccurs="1"/>
+        <xsd:element name="category" minOccurs="0" maxOccurs="1" type="xsd:string"/>
+        <xsd:element name="version" minOccurs="0" maxOccurs="1" type="xsd:string"/>
+        <xsd:element name="revision" minOccurs="0" maxOccurs="1" type="xsd:string">
+          <xsd:annotation>
+            <xsd:documentation>
+                        This value indicates the number of saves or revisions. The application is responsible for updating this value after each revision.
+                    </xsd:documentation>
+          </xsd:annotation>
+        </xsd:element>
+        <xsd:element name="lastModifiedBy" minOccurs="0" maxOccurs="1" type="xsd:string"/>
+        <xsd:element ref="dcterms:modified" minOccurs="0" maxOccurs="1"/>
+        <xsd:element name="contentStatus" minOccurs="0" maxOccurs="1" type="xsd:string"/>
+      </xsd:all>
+    </xsd:complexType>
+  </xsd:schema>
+  <xs:schema xmlns:pc="http://schemas.microsoft.com/office/infopath/2007/PartnerControls" xmlns:xs="http://www.w3.org/2001/XMLSchema" targetNamespace="http://schemas.microsoft.com/office/infopath/2007/PartnerControls" elementFormDefault="qualified" attributeFormDefault="unqualified">
+    <xs:element name="Person">
+      <xs:complexType>
+        <xs:sequence>
+          <xs:element ref="pc:DisplayName" minOccurs="0"/>
+          <xs:element ref="pc:AccountId" minOccurs="0"/>
+          <xs:element ref="pc:AccountType" minOccurs="0"/>
+        </xs:sequence>
+      </xs:complexType>
+    </xs:element>
+    <xs:element name="DisplayName" type="xs:string"/>
+    <xs:element name="AccountId" type="xs:string"/>
+    <xs:element name="AccountType" type="xs:string"/>
+    <xs:element name="BDCAssociatedEntity">
+      <xs:complexType>
+        <xs:sequence>
+          <xs:element ref="pc:BDCEntity" minOccurs="0" maxOccurs="unbounded"/>
+        </xs:sequence>
+        <xs:attribute ref="pc:EntityNamespace"/>
+        <xs:attribute ref="pc:EntityName"/>
+        <xs:attribute ref="pc:SystemInstanceName"/>
+        <xs:attribute ref="pc:AssociationName"/>
+      </xs:complexType>
+    </xs:element>
+    <xs:attribute name="EntityNamespace" type="xs:string"/>
+    <xs:attribute name="EntityName" type="xs:string"/>
+    <xs:attribute name="SystemInstanceName" type="xs:string"/>
+    <xs:attribute name="AssociationName" type="xs:string"/>
+    <xs:element name="BDCEntity">
+      <xs:complexType>
+        <xs:sequence>
+          <xs:element ref="pc:EntityDisplayName" minOccurs="0"/>
+          <xs:element ref="pc:EntityInstanceReference" minOccurs="0"/>
+          <xs:element ref="pc:EntityId1" minOccurs="0"/>
+          <xs:element ref="pc:EntityId2" minOccurs="0"/>
+          <xs:element ref="pc:EntityId3" minOccurs="0"/>
+          <xs:element ref="pc:EntityId4" minOccurs="0"/>
+          <xs:element ref="pc:EntityId5" minOccurs="0"/>
+        </xs:sequence>
+      </xs:complexType>
+    </xs:element>
+    <xs:element name="EntityDisplayName" type="xs:string"/>
+    <xs:element name="EntityInstanceReference" type="xs:string"/>
+    <xs:element name="EntityId1" type="xs:string"/>
+    <xs:element name="EntityId2" type="xs:string"/>
+    <xs:element name="EntityId3" type="xs:string"/>
+    <xs:element name="EntityId4" type="xs:string"/>
+    <xs:element name="EntityId5" type="xs:string"/>
+    <xs:element name="Terms">
+      <xs:complexType>
+        <xs:sequence>
+          <xs:element ref="pc:TermInfo" minOccurs="0" maxOccurs="unbounded"/>
+        </xs:sequence>
+      </xs:complexType>
+    </xs:element>
+    <xs:element name="TermInfo">
+      <xs:complexType>
+        <xs:sequence>
+          <xs:element ref="pc:TermName" minOccurs="0"/>
+          <xs:element ref="pc:TermId" minOccurs="0"/>
+        </xs:sequence>
+      </xs:complexType>
+    </xs:element>
+    <xs:element name="TermName" type="xs:string"/>
+    <xs:element name="TermId" type="xs:string"/>
+  </xs:schema>
+</ct:contentTypeSchema>
+</file>
+
+<file path=customXml/item4.xml><?xml version="1.0" encoding="utf-8"?>
+<p:properties xmlns:p="http://schemas.microsoft.com/office/2006/metadata/properties" xmlns:xsi="http://www.w3.org/2001/XMLSchema-instance">
+  <documentManagement/>
+</p:properties>
+</file>
+
 <file path=customXml/itemProps1.xml><?xml version="1.0" encoding="utf-8"?>
-<ds:datastoreItem xmlns:ds="http://schemas.openxmlformats.org/officeDocument/2006/customXml" ds:itemID="{A5547237-B119-45CA-BEFC-A2DA2BDB03E7}">
+<ds:datastoreItem xmlns:ds="http://schemas.openxmlformats.org/officeDocument/2006/customXml" ds:itemID="{6034B84F-8F8E-48B7-9EFF-C7DE1A66BD73}">
   <ds:schemaRefs>
-    <ds:schemaRef ds:uri="http://purl.org/dc/elements/1.1/"/>
-    <ds:schemaRef ds:uri="http://schemas.microsoft.com/office/2006/metadata/properties"/>
-    <ds:schemaRef ds:uri="http://schemas.openxmlformats.org/package/2006/metadata/core-properties"/>
-    <ds:schemaRef ds:uri="http://www.w3.org/XML/1998/namespace"/>
-    <ds:schemaRef ds:uri="http://schemas.microsoft.com/office/2006/documentManagement/types"/>
-    <ds:schemaRef ds:uri="http://schemas.microsoft.com/office/infopath/2007/PartnerControls"/>
-    <ds:schemaRef ds:uri="http://purl.org/dc/dcmitype/"/>
-    <ds:schemaRef ds:uri="http://purl.org/dc/terms/"/>
+    <ds:schemaRef ds:uri="http://schemas.microsoft.com/sharepoint/v3/contenttype/forms"/>
   </ds:schemaRefs>
 </ds:datastoreItem>
 </file>
 
 <file path=customXml/itemProps2.xml><?xml version="1.0" encoding="utf-8"?>
-<ds:datastoreItem xmlns:ds="http://schemas.openxmlformats.org/officeDocument/2006/customXml" ds:itemID="{6034B84F-8F8E-48B7-9EFF-C7DE1A66BD73}">
+<ds:datastoreItem xmlns:ds="http://schemas.openxmlformats.org/officeDocument/2006/customXml" ds:itemID="{8865FC99-B6BD-4E98-8312-F4F432C217EA}">
   <ds:schemaRefs>
-    <ds:schemaRef ds:uri="http://schemas.microsoft.com/sharepoint/v3/contenttype/forms"/>
+    <ds:schemaRef ds:uri="http://schemas.microsoft.com/office/2009/outspace/metadata"/>
   </ds:schemaRefs>
 </ds:datastoreItem>
 </file>
@@ -23438,9 +23430,16 @@
 </file>
 
 <file path=customXml/itemProps4.xml><?xml version="1.0" encoding="utf-8"?>
-<ds:datastoreItem xmlns:ds="http://schemas.openxmlformats.org/officeDocument/2006/customXml" ds:itemID="{8865FC99-B6BD-4E98-8312-F4F432C217EA}">
+<ds:datastoreItem xmlns:ds="http://schemas.openxmlformats.org/officeDocument/2006/customXml" ds:itemID="{A5547237-B119-45CA-BEFC-A2DA2BDB03E7}">
   <ds:schemaRefs>
-    <ds:schemaRef ds:uri="http://schemas.microsoft.com/office/2009/outspace/metadata"/>
+    <ds:schemaRef ds:uri="http://purl.org/dc/dcmitype/"/>
+    <ds:schemaRef ds:uri="http://schemas.microsoft.com/office/2006/metadata/properties"/>
+    <ds:schemaRef ds:uri="http://schemas.openxmlformats.org/package/2006/metadata/core-properties"/>
+    <ds:schemaRef ds:uri="http://schemas.microsoft.com/office/infopath/2007/PartnerControls"/>
+    <ds:schemaRef ds:uri="http://purl.org/dc/elements/1.1/"/>
+    <ds:schemaRef ds:uri="http://schemas.microsoft.com/office/2006/documentManagement/types"/>
+    <ds:schemaRef ds:uri="http://www.w3.org/XML/1998/namespace"/>
+    <ds:schemaRef ds:uri="http://purl.org/dc/terms/"/>
   </ds:schemaRefs>
 </ds:datastoreItem>
 </file>